--- a/templates/PowerAgentConf2025_984167_Sciarappa.pptx
+++ b/templates/PowerAgentConf2025_984167_Sciarappa.pptx
@@ -2,7 +2,7 @@
 <file path=ppt/presentation.xml><?xml version="1.0" encoding="utf-8"?>
 <p:presentation xmlns:a="http://schemas.openxmlformats.org/drawingml/2006/main" xmlns:r="http://schemas.openxmlformats.org/officeDocument/2006/relationships" xmlns:p="http://schemas.openxmlformats.org/presentationml/2006/main" saveSubsetFonts="1">
   <p:sldMasterIdLst>
-    <p:sldMasterId id="2147483661" r:id="rId4"/>
+    <p:sldMasterId id="2147483678" r:id="rId4"/>
   </p:sldMasterIdLst>
   <p:notesMasterIdLst>
     <p:notesMasterId r:id="rId12"/>
@@ -19,7 +19,7 @@
     <p:sldId id="261" r:id="rId10"/>
     <p:sldId id="262" r:id="rId11"/>
   </p:sldIdLst>
-  <p:sldSz cx="11699875" cy="7019925"/>
+  <p:sldSz cx="12479338" cy="7019925"/>
   <p:notesSz cx="6858000" cy="9144000"/>
   <p:defaultTextStyle>
     <a:defPPr>
@@ -296,7 +296,7 @@
           <a:p>
             <a:fld id="{2C164773-81C5-40F4-B8E1-8D7531CD0702}" type="datetimeFigureOut">
               <a:rPr lang="it-IT" smtClean="0"/>
-              <a:t>09/09/2025</a:t>
+              <a:t>24/09/2025</a:t>
             </a:fld>
             <a:endParaRPr lang="it-IT"/>
           </a:p>
@@ -1040,15 +1040,15 @@
         </p:nvSpPr>
         <p:spPr>
           <a:xfrm>
-            <a:off x="1462485" y="1148863"/>
-            <a:ext cx="8774906" cy="2443974"/>
+            <a:off x="1559917" y="1148863"/>
+            <a:ext cx="9359504" cy="2443974"/>
           </a:xfrm>
         </p:spPr>
         <p:txBody>
           <a:bodyPr anchor="b"/>
           <a:lstStyle>
             <a:lvl1pPr algn="ctr">
-              <a:defRPr sz="5758"/>
+              <a:defRPr sz="6142"/>
             </a:lvl1pPr>
           </a:lstStyle>
           <a:p>
@@ -1072,8 +1072,8 @@
         </p:nvSpPr>
         <p:spPr>
           <a:xfrm>
-            <a:off x="1462485" y="3687086"/>
-            <a:ext cx="8774906" cy="1694856"/>
+            <a:off x="1559917" y="3687086"/>
+            <a:ext cx="9359504" cy="1694856"/>
           </a:xfrm>
         </p:spPr>
         <p:txBody>
@@ -1081,39 +1081,39 @@
           <a:lstStyle>
             <a:lvl1pPr marL="0" indent="0" algn="ctr">
               <a:buNone/>
-              <a:defRPr sz="2303"/>
+              <a:defRPr sz="2457"/>
             </a:lvl1pPr>
-            <a:lvl2pPr marL="438729" indent="0" algn="ctr">
+            <a:lvl2pPr marL="467990" indent="0" algn="ctr">
               <a:buNone/>
-              <a:defRPr sz="1919"/>
+              <a:defRPr sz="2047"/>
             </a:lvl2pPr>
-            <a:lvl3pPr marL="877458" indent="0" algn="ctr">
+            <a:lvl3pPr marL="935980" indent="0" algn="ctr">
               <a:buNone/>
-              <a:defRPr sz="1727"/>
+              <a:defRPr sz="1842"/>
             </a:lvl3pPr>
-            <a:lvl4pPr marL="1316187" indent="0" algn="ctr">
+            <a:lvl4pPr marL="1403970" indent="0" algn="ctr">
               <a:buNone/>
-              <a:defRPr sz="1535"/>
+              <a:defRPr sz="1638"/>
             </a:lvl4pPr>
-            <a:lvl5pPr marL="1754916" indent="0" algn="ctr">
+            <a:lvl5pPr marL="1871960" indent="0" algn="ctr">
               <a:buNone/>
-              <a:defRPr sz="1535"/>
+              <a:defRPr sz="1638"/>
             </a:lvl5pPr>
-            <a:lvl6pPr marL="2193646" indent="0" algn="ctr">
+            <a:lvl6pPr marL="2339950" indent="0" algn="ctr">
               <a:buNone/>
-              <a:defRPr sz="1535"/>
+              <a:defRPr sz="1638"/>
             </a:lvl6pPr>
-            <a:lvl7pPr marL="2632375" indent="0" algn="ctr">
+            <a:lvl7pPr marL="2807940" indent="0" algn="ctr">
               <a:buNone/>
-              <a:defRPr sz="1535"/>
+              <a:defRPr sz="1638"/>
             </a:lvl7pPr>
-            <a:lvl8pPr marL="3071104" indent="0" algn="ctr">
+            <a:lvl8pPr marL="3275929" indent="0" algn="ctr">
               <a:buNone/>
-              <a:defRPr sz="1535"/>
+              <a:defRPr sz="1638"/>
             </a:lvl8pPr>
-            <a:lvl9pPr marL="3509833" indent="0" algn="ctr">
+            <a:lvl9pPr marL="3743919" indent="0" algn="ctr">
               <a:buNone/>
-              <a:defRPr sz="1535"/>
+              <a:defRPr sz="1638"/>
             </a:lvl9pPr>
           </a:lstStyle>
           <a:p>
@@ -1141,8 +1141,8 @@
           <a:lstStyle/>
           <a:p>
             <a:fld id="{C764DE79-268F-4C1A-8933-263129D2AF90}" type="datetimeFigureOut">
-              <a:rPr lang="en-US" dirty="0"/>
-              <a:t>9/9/2025</a:t>
+              <a:rPr lang="en-US" smtClean="0"/>
+              <a:t>9/24/2025</a:t>
             </a:fld>
             <a:endParaRPr lang="en-US" dirty="0"/>
           </a:p>
@@ -1183,7 +1183,7 @@
           <a:lstStyle/>
           <a:p>
             <a:fld id="{48F63A3B-78C7-47BE-AE5E-E10140E04643}" type="slidenum">
-              <a:rPr lang="en-US" dirty="0"/>
+              <a:rPr lang="en-US" smtClean="0"/>
               <a:t>‹#›</a:t>
             </a:fld>
             <a:endParaRPr lang="en-US" dirty="0"/>
@@ -1193,7 +1193,7 @@
     </p:spTree>
     <p:extLst>
       <p:ext uri="{BB962C8B-B14F-4D97-AF65-F5344CB8AC3E}">
-        <p14:creationId xmlns:p14="http://schemas.microsoft.com/office/powerpoint/2010/main" val="1710665826"/>
+        <p14:creationId xmlns:p14="http://schemas.microsoft.com/office/powerpoint/2010/main" val="965305293"/>
       </p:ext>
     </p:extLst>
   </p:cSld>
@@ -1311,8 +1311,8 @@
           <a:lstStyle/>
           <a:p>
             <a:fld id="{C764DE79-268F-4C1A-8933-263129D2AF90}" type="datetimeFigureOut">
-              <a:rPr lang="en-US" dirty="0"/>
-              <a:t>9/9/2025</a:t>
+              <a:rPr lang="en-US" smtClean="0"/>
+              <a:t>9/24/2025</a:t>
             </a:fld>
             <a:endParaRPr lang="en-US" dirty="0"/>
           </a:p>
@@ -1353,7 +1353,7 @@
           <a:lstStyle/>
           <a:p>
             <a:fld id="{48F63A3B-78C7-47BE-AE5E-E10140E04643}" type="slidenum">
-              <a:rPr lang="en-US" dirty="0"/>
+              <a:rPr lang="en-US" smtClean="0"/>
               <a:t>‹#›</a:t>
             </a:fld>
             <a:endParaRPr lang="en-US" dirty="0"/>
@@ -1363,7 +1363,7 @@
     </p:spTree>
     <p:extLst>
       <p:ext uri="{BB962C8B-B14F-4D97-AF65-F5344CB8AC3E}">
-        <p14:creationId xmlns:p14="http://schemas.microsoft.com/office/powerpoint/2010/main" val="1904698418"/>
+        <p14:creationId xmlns:p14="http://schemas.microsoft.com/office/powerpoint/2010/main" val="335103935"/>
       </p:ext>
     </p:extLst>
   </p:cSld>
@@ -1402,8 +1402,8 @@
         </p:nvSpPr>
         <p:spPr>
           <a:xfrm>
-            <a:off x="8372723" y="373746"/>
-            <a:ext cx="2522786" cy="5949062"/>
+            <a:off x="8930526" y="373746"/>
+            <a:ext cx="2690857" cy="5949062"/>
           </a:xfrm>
         </p:spPr>
         <p:txBody>
@@ -1430,8 +1430,8 @@
         </p:nvSpPr>
         <p:spPr>
           <a:xfrm>
-            <a:off x="804367" y="373746"/>
-            <a:ext cx="7422108" cy="5949062"/>
+            <a:off x="857955" y="373746"/>
+            <a:ext cx="7916580" cy="5949062"/>
           </a:xfrm>
         </p:spPr>
         <p:txBody>
@@ -1491,8 +1491,8 @@
           <a:lstStyle/>
           <a:p>
             <a:fld id="{C764DE79-268F-4C1A-8933-263129D2AF90}" type="datetimeFigureOut">
-              <a:rPr lang="en-US" dirty="0"/>
-              <a:t>9/9/2025</a:t>
+              <a:rPr lang="en-US" smtClean="0"/>
+              <a:t>9/24/2025</a:t>
             </a:fld>
             <a:endParaRPr lang="en-US" dirty="0"/>
           </a:p>
@@ -1533,7 +1533,7 @@
           <a:lstStyle/>
           <a:p>
             <a:fld id="{48F63A3B-78C7-47BE-AE5E-E10140E04643}" type="slidenum">
-              <a:rPr lang="en-US" dirty="0"/>
+              <a:rPr lang="en-US" smtClean="0"/>
               <a:t>‹#›</a:t>
             </a:fld>
             <a:endParaRPr lang="en-US" dirty="0"/>
@@ -1543,7 +1543,7 @@
     </p:spTree>
     <p:extLst>
       <p:ext uri="{BB962C8B-B14F-4D97-AF65-F5344CB8AC3E}">
-        <p14:creationId xmlns:p14="http://schemas.microsoft.com/office/powerpoint/2010/main" val="115388631"/>
+        <p14:creationId xmlns:p14="http://schemas.microsoft.com/office/powerpoint/2010/main" val="275124876"/>
       </p:ext>
     </p:extLst>
   </p:cSld>
@@ -1587,8 +1587,8 @@
         </p:nvSpPr>
         <p:spPr>
           <a:xfrm>
-            <a:off x="0" y="5392547"/>
-            <a:ext cx="11699875" cy="1154499"/>
+            <a:off x="1" y="5392548"/>
+            <a:ext cx="12479338" cy="1154499"/>
           </a:xfrm>
           <a:prstGeom prst="rect">
             <a:avLst/>
@@ -1649,8 +1649,8 @@
         </p:nvSpPr>
         <p:spPr>
           <a:xfrm>
-            <a:off x="1" y="0"/>
-            <a:ext cx="11699876" cy="7019925"/>
+            <a:off x="1" y="1"/>
+            <a:ext cx="12479339" cy="7019925"/>
           </a:xfrm>
           <a:prstGeom prst="rect">
             <a:avLst/>
@@ -1706,8 +1706,8 @@
         </p:nvSpPr>
         <p:spPr>
           <a:xfrm rot="10800000" flipH="1">
-            <a:off x="0" y="-490"/>
-            <a:ext cx="8537671" cy="7020415"/>
+            <a:off x="1" y="-490"/>
+            <a:ext cx="9106463" cy="7020415"/>
           </a:xfrm>
           <a:custGeom>
             <a:avLst/>
@@ -1800,8 +1800,8 @@
         </p:nvSpPr>
         <p:spPr>
           <a:xfrm rot="10800000" flipH="1">
-            <a:off x="1" y="-489"/>
-            <a:ext cx="7769447" cy="7020415"/>
+            <a:off x="2" y="-489"/>
+            <a:ext cx="8287059" cy="7020415"/>
           </a:xfrm>
           <a:custGeom>
             <a:avLst/>
@@ -1900,8 +1900,8 @@
         </p:nvSpPr>
         <p:spPr>
           <a:xfrm>
-            <a:off x="171247" y="371673"/>
-            <a:ext cx="7769592" cy="854920"/>
+            <a:off x="182656" y="371673"/>
+            <a:ext cx="8287214" cy="854920"/>
           </a:xfrm>
           <a:prstGeom prst="rect">
             <a:avLst/>
@@ -1985,8 +1985,8 @@
         </p:nvSpPr>
         <p:spPr>
           <a:xfrm>
-            <a:off x="288244" y="1461450"/>
-            <a:ext cx="6100875" cy="2334487"/>
+            <a:off x="307448" y="1461451"/>
+            <a:ext cx="6507324" cy="2334487"/>
           </a:xfrm>
           <a:prstGeom prst="rect">
             <a:avLst/>
@@ -2033,8 +2033,8 @@
         </p:blipFill>
         <p:spPr>
           <a:xfrm>
-            <a:off x="10350344" y="348636"/>
-            <a:ext cx="788910" cy="841504"/>
+            <a:off x="11039899" y="348636"/>
+            <a:ext cx="841468" cy="841504"/>
           </a:xfrm>
           <a:prstGeom prst="rect">
             <a:avLst/>
@@ -2064,8 +2064,8 @@
         </p:nvSpPr>
         <p:spPr>
           <a:xfrm>
-            <a:off x="-2" y="5372142"/>
-            <a:ext cx="11699875" cy="1154499"/>
+            <a:off x="-2" y="5372143"/>
+            <a:ext cx="12479338" cy="1154499"/>
           </a:xfrm>
           <a:prstGeom prst="rect">
             <a:avLst/>
@@ -2132,8 +2132,8 @@
         </p:blipFill>
         <p:spPr>
           <a:xfrm>
-            <a:off x="288244" y="5686237"/>
-            <a:ext cx="2379078" cy="617405"/>
+            <a:off x="307447" y="5686238"/>
+            <a:ext cx="2537576" cy="617405"/>
           </a:xfrm>
           <a:prstGeom prst="rect">
             <a:avLst/>
@@ -2152,41 +2152,6 @@
           </a:ln>
         </p:spPr>
       </p:pic>
-      <p:pic>
-        <p:nvPicPr>
-          <p:cNvPr id="18" name="Google Shape;239;p1" descr="Logo BC Soft">
-            <a:extLst>
-              <a:ext uri="{FF2B5EF4-FFF2-40B4-BE49-F238E27FC236}">
-                <a16:creationId xmlns:a16="http://schemas.microsoft.com/office/drawing/2014/main" id="{A51D0EF9-64A2-EE66-2DC0-2C013FF445F6}"/>
-              </a:ext>
-            </a:extLst>
-          </p:cNvPr>
-          <p:cNvPicPr preferRelativeResize="0">
-            <a:picLocks noChangeAspect="1"/>
-          </p:cNvPicPr>
-          <p:nvPr userDrawn="1"/>
-        </p:nvPicPr>
-        <p:blipFill rotWithShape="1">
-          <a:blip r:embed="rId4">
-            <a:alphaModFix/>
-          </a:blip>
-          <a:srcRect l="4726" t="20069" r="6364" b="20697"/>
-          <a:stretch/>
-        </p:blipFill>
-        <p:spPr>
-          <a:xfrm>
-            <a:off x="8156914" y="5474456"/>
-            <a:ext cx="1348274" cy="479050"/>
-          </a:xfrm>
-          <a:prstGeom prst="rect">
-            <a:avLst/>
-          </a:prstGeom>
-          <a:noFill/>
-          <a:ln>
-            <a:noFill/>
-          </a:ln>
-        </p:spPr>
-      </p:pic>
       <p:sp>
         <p:nvSpPr>
           <p:cNvPr id="47" name="Text Placeholder 46">
@@ -2205,8 +2170,8 @@
         </p:nvSpPr>
         <p:spPr>
           <a:xfrm>
-            <a:off x="288244" y="3904999"/>
-            <a:ext cx="6108652" cy="529744"/>
+            <a:off x="307447" y="3904999"/>
+            <a:ext cx="6515619" cy="529744"/>
           </a:xfrm>
           <a:prstGeom prst="rect">
             <a:avLst/>
@@ -2251,7 +2216,7 @@
           <p:nvPr userDrawn="1"/>
         </p:nvPicPr>
         <p:blipFill>
-          <a:blip r:embed="rId5">
+          <a:blip r:embed="rId4">
             <a:alphaModFix/>
             <a:extLst>
               <a:ext uri="{28A0092B-C50C-407E-A947-70E740481C1C}">
@@ -2266,8 +2231,8 @@
         </p:blipFill>
         <p:spPr bwMode="auto">
           <a:xfrm>
-            <a:off x="3220323" y="5627405"/>
-            <a:ext cx="1530038" cy="816021"/>
+            <a:off x="3434866" y="5627406"/>
+            <a:ext cx="1631971" cy="816021"/>
           </a:xfrm>
           <a:prstGeom prst="rect">
             <a:avLst/>
@@ -2301,7 +2266,7 @@
           <p:nvPr userDrawn="1"/>
         </p:nvPicPr>
         <p:blipFill>
-          <a:blip r:embed="rId6">
+          <a:blip r:embed="rId5">
             <a:extLst>
               <a:ext uri="{28A0092B-C50C-407E-A947-70E740481C1C}">
                 <a14:useLocalDpi xmlns:a14="http://schemas.microsoft.com/office/drawing/2010/main" val="0"/>
@@ -2315,149 +2280,8 @@
         </p:blipFill>
         <p:spPr bwMode="auto">
           <a:xfrm>
-            <a:off x="5303361" y="5424419"/>
-            <a:ext cx="2045164" cy="1090755"/>
-          </a:xfrm>
-          <a:prstGeom prst="rect">
-            <a:avLst/>
-          </a:prstGeom>
-          <a:noFill/>
-          <a:extLst>
-            <a:ext uri="{909E8E84-426E-40DD-AFC4-6F175D3DCCD1}">
-              <a14:hiddenFill xmlns:a14="http://schemas.microsoft.com/office/drawing/2010/main">
-                <a:solidFill>
-                  <a:srgbClr val="FFFFFF"/>
-                </a:solidFill>
-              </a14:hiddenFill>
-            </a:ext>
-          </a:extLst>
-        </p:spPr>
-      </p:pic>
-      <p:pic>
-        <p:nvPicPr>
-          <p:cNvPr id="1030" name="Picture 6" descr="Key2">
-            <a:extLst>
-              <a:ext uri="{FF2B5EF4-FFF2-40B4-BE49-F238E27FC236}">
-                <a16:creationId xmlns:a16="http://schemas.microsoft.com/office/drawing/2014/main" id="{E1B8FDDA-A0D8-C674-9684-0C6B9583C7D8}"/>
-              </a:ext>
-            </a:extLst>
-          </p:cNvPr>
-          <p:cNvPicPr>
-            <a:picLocks noChangeAspect="1" noChangeArrowheads="1"/>
-          </p:cNvPicPr>
-          <p:nvPr userDrawn="1"/>
-        </p:nvPicPr>
-        <p:blipFill>
-          <a:blip r:embed="rId7">
-            <a:extLst>
-              <a:ext uri="{28A0092B-C50C-407E-A947-70E740481C1C}">
-                <a14:useLocalDpi xmlns:a14="http://schemas.microsoft.com/office/drawing/2010/main" val="0"/>
-              </a:ext>
-            </a:extLst>
-          </a:blip>
-          <a:srcRect/>
-          <a:stretch>
-            <a:fillRect/>
-          </a:stretch>
-        </p:blipFill>
-        <p:spPr bwMode="auto">
-          <a:xfrm>
-            <a:off x="10038773" y="5392546"/>
-            <a:ext cx="1205379" cy="642869"/>
-          </a:xfrm>
-          <a:prstGeom prst="rect">
-            <a:avLst/>
-          </a:prstGeom>
-          <a:noFill/>
-          <a:extLst>
-            <a:ext uri="{909E8E84-426E-40DD-AFC4-6F175D3DCCD1}">
-              <a14:hiddenFill xmlns:a14="http://schemas.microsoft.com/office/drawing/2010/main">
-                <a:solidFill>
-                  <a:srgbClr val="FFFFFF"/>
-                </a:solidFill>
-              </a14:hiddenFill>
-            </a:ext>
-          </a:extLst>
-        </p:spPr>
-      </p:pic>
-      <p:pic>
-        <p:nvPicPr>
-          <p:cNvPr id="1032" name="Picture 8" descr="Lobra Futura">
-            <a:extLst>
-              <a:ext uri="{FF2B5EF4-FFF2-40B4-BE49-F238E27FC236}">
-                <a16:creationId xmlns:a16="http://schemas.microsoft.com/office/drawing/2014/main" id="{616EA2D4-4735-679D-FB89-2EAE7BB596E4}"/>
-              </a:ext>
-            </a:extLst>
-          </p:cNvPr>
-          <p:cNvPicPr>
-            <a:picLocks noChangeAspect="1" noChangeArrowheads="1"/>
-          </p:cNvPicPr>
-          <p:nvPr userDrawn="1"/>
-        </p:nvPicPr>
-        <p:blipFill>
-          <a:blip r:embed="rId8">
-            <a:extLst>
-              <a:ext uri="{28A0092B-C50C-407E-A947-70E740481C1C}">
-                <a14:useLocalDpi xmlns:a14="http://schemas.microsoft.com/office/drawing/2010/main" val="0"/>
-              </a:ext>
-            </a:extLst>
-          </a:blip>
-          <a:srcRect/>
-          <a:stretch>
-            <a:fillRect/>
-          </a:stretch>
-        </p:blipFill>
-        <p:spPr bwMode="auto">
-          <a:xfrm>
-            <a:off x="8322448" y="5926219"/>
-            <a:ext cx="1205379" cy="642869"/>
-          </a:xfrm>
-          <a:prstGeom prst="rect">
-            <a:avLst/>
-          </a:prstGeom>
-          <a:noFill/>
-          <a:extLst>
-            <a:ext uri="{909E8E84-426E-40DD-AFC4-6F175D3DCCD1}">
-              <a14:hiddenFill xmlns:a14="http://schemas.microsoft.com/office/drawing/2010/main">
-                <a:solidFill>
-                  <a:srgbClr val="FFFFFF"/>
-                </a:solidFill>
-              </a14:hiddenFill>
-            </a:ext>
-          </a:extLst>
-        </p:spPr>
-      </p:pic>
-      <p:pic>
-        <p:nvPicPr>
-          <p:cNvPr id="1034" name="Picture 10" descr="Apvee">
-            <a:extLst>
-              <a:ext uri="{FF2B5EF4-FFF2-40B4-BE49-F238E27FC236}">
-                <a16:creationId xmlns:a16="http://schemas.microsoft.com/office/drawing/2014/main" id="{212C424F-5CD0-5438-8F7F-E20FE67E637A}"/>
-              </a:ext>
-            </a:extLst>
-          </p:cNvPr>
-          <p:cNvPicPr>
-            <a:picLocks noChangeAspect="1" noChangeArrowheads="1"/>
-          </p:cNvPicPr>
-          <p:nvPr userDrawn="1"/>
-        </p:nvPicPr>
-        <p:blipFill>
-          <a:blip r:embed="rId9">
-            <a:extLst>
-              <a:ext uri="{28A0092B-C50C-407E-A947-70E740481C1C}">
-                <a14:useLocalDpi xmlns:a14="http://schemas.microsoft.com/office/drawing/2010/main" val="0"/>
-              </a:ext>
-            </a:extLst>
-          </a:blip>
-          <a:srcRect/>
-          <a:stretch>
-            <a:fillRect/>
-          </a:stretch>
-        </p:blipFill>
-        <p:spPr bwMode="auto">
-          <a:xfrm>
-            <a:off x="9876281" y="5848290"/>
-            <a:ext cx="1497616" cy="798729"/>
+            <a:off x="5656679" y="5424420"/>
+            <a:ext cx="2181416" cy="1090755"/>
           </a:xfrm>
           <a:prstGeom prst="rect">
             <a:avLst/>
@@ -2489,7 +2313,7 @@
           <p:nvPr userDrawn="1"/>
         </p:nvPicPr>
         <p:blipFill>
-          <a:blip r:embed="rId10">
+          <a:blip r:embed="rId6">
             <a:extLst>
               <a:ext uri="{28A0092B-C50C-407E-A947-70E740481C1C}">
                 <a14:useLocalDpi xmlns:a14="http://schemas.microsoft.com/office/drawing/2010/main" val="0"/>
@@ -2503,8 +2327,8 @@
         </p:blipFill>
         <p:spPr bwMode="auto">
           <a:xfrm>
-            <a:off x="8082216" y="1233443"/>
-            <a:ext cx="2646533" cy="3665819"/>
+            <a:off x="8620666" y="1233444"/>
+            <a:ext cx="2822849" cy="3665819"/>
           </a:xfrm>
           <a:prstGeom prst="rect">
             <a:avLst/>
@@ -2521,10 +2345,254 @@
           </a:extLst>
         </p:spPr>
       </p:pic>
+      <p:grpSp>
+        <p:nvGrpSpPr>
+          <p:cNvPr id="2" name="Group 1">
+            <a:extLst>
+              <a:ext uri="{FF2B5EF4-FFF2-40B4-BE49-F238E27FC236}">
+                <a16:creationId xmlns:a16="http://schemas.microsoft.com/office/drawing/2014/main" id="{D639E083-E118-A895-7025-DE16840D3A7C}"/>
+              </a:ext>
+            </a:extLst>
+          </p:cNvPr>
+          <p:cNvGrpSpPr/>
+          <p:nvPr userDrawn="1"/>
+        </p:nvGrpSpPr>
+        <p:grpSpPr>
+          <a:xfrm>
+            <a:off x="8027288" y="5346732"/>
+            <a:ext cx="4009603" cy="1377367"/>
+            <a:chOff x="7582856" y="5489836"/>
+            <a:chExt cx="4009603" cy="1377367"/>
+          </a:xfrm>
+        </p:grpSpPr>
+        <p:pic>
+          <p:nvPicPr>
+            <p:cNvPr id="3" name="Google Shape;239;p1" descr="Logo BC Soft">
+              <a:extLst>
+                <a:ext uri="{FF2B5EF4-FFF2-40B4-BE49-F238E27FC236}">
+                  <a16:creationId xmlns:a16="http://schemas.microsoft.com/office/drawing/2014/main" id="{977C20D2-4907-52DE-B885-56B3FEDEA580}"/>
+                </a:ext>
+              </a:extLst>
+            </p:cNvPr>
+            <p:cNvPicPr preferRelativeResize="0">
+              <a:picLocks noChangeAspect="1"/>
+            </p:cNvPicPr>
+            <p:nvPr userDrawn="1"/>
+          </p:nvPicPr>
+          <p:blipFill rotWithShape="1">
+            <a:blip r:embed="rId7">
+              <a:alphaModFix/>
+            </a:blip>
+            <a:srcRect l="4726" t="20069" r="6364" b="20697"/>
+            <a:stretch/>
+          </p:blipFill>
+          <p:spPr>
+            <a:xfrm>
+              <a:off x="7582856" y="5597136"/>
+              <a:ext cx="1348274" cy="479050"/>
+            </a:xfrm>
+            <a:prstGeom prst="rect">
+              <a:avLst/>
+            </a:prstGeom>
+            <a:noFill/>
+            <a:ln>
+              <a:noFill/>
+            </a:ln>
+          </p:spPr>
+        </p:pic>
+        <p:pic>
+          <p:nvPicPr>
+            <p:cNvPr id="4" name="Picture 6" descr="Key2">
+              <a:extLst>
+                <a:ext uri="{FF2B5EF4-FFF2-40B4-BE49-F238E27FC236}">
+                  <a16:creationId xmlns:a16="http://schemas.microsoft.com/office/drawing/2014/main" id="{0BB7FD74-591E-C933-B677-65546C03E17E}"/>
+                </a:ext>
+              </a:extLst>
+            </p:cNvPr>
+            <p:cNvPicPr>
+              <a:picLocks noChangeAspect="1" noChangeArrowheads="1"/>
+            </p:cNvPicPr>
+            <p:nvPr userDrawn="1"/>
+          </p:nvPicPr>
+          <p:blipFill>
+            <a:blip r:embed="rId8">
+              <a:extLst>
+                <a:ext uri="{28A0092B-C50C-407E-A947-70E740481C1C}">
+                  <a14:useLocalDpi xmlns:a14="http://schemas.microsoft.com/office/drawing/2010/main" val="0"/>
+                </a:ext>
+              </a:extLst>
+            </a:blip>
+            <a:srcRect/>
+            <a:stretch>
+              <a:fillRect/>
+            </a:stretch>
+          </p:blipFill>
+          <p:spPr bwMode="auto">
+            <a:xfrm>
+              <a:off x="9074287" y="5537565"/>
+              <a:ext cx="1205379" cy="642869"/>
+            </a:xfrm>
+            <a:prstGeom prst="rect">
+              <a:avLst/>
+            </a:prstGeom>
+            <a:noFill/>
+            <a:extLst>
+              <a:ext uri="{909E8E84-426E-40DD-AFC4-6F175D3DCCD1}">
+                <a14:hiddenFill xmlns:a14="http://schemas.microsoft.com/office/drawing/2010/main">
+                  <a:solidFill>
+                    <a:srgbClr val="FFFFFF"/>
+                  </a:solidFill>
+                </a14:hiddenFill>
+              </a:ext>
+            </a:extLst>
+          </p:spPr>
+        </p:pic>
+        <p:pic>
+          <p:nvPicPr>
+            <p:cNvPr id="5" name="Picture 8" descr="Lobra Futura">
+              <a:extLst>
+                <a:ext uri="{FF2B5EF4-FFF2-40B4-BE49-F238E27FC236}">
+                  <a16:creationId xmlns:a16="http://schemas.microsoft.com/office/drawing/2014/main" id="{38AEC5A6-C270-59EA-9AF2-AF97F2EEFF79}"/>
+                </a:ext>
+              </a:extLst>
+            </p:cNvPr>
+            <p:cNvPicPr>
+              <a:picLocks noChangeAspect="1" noChangeArrowheads="1"/>
+            </p:cNvPicPr>
+            <p:nvPr userDrawn="1"/>
+          </p:nvPicPr>
+          <p:blipFill>
+            <a:blip r:embed="rId9">
+              <a:extLst>
+                <a:ext uri="{28A0092B-C50C-407E-A947-70E740481C1C}">
+                  <a14:useLocalDpi xmlns:a14="http://schemas.microsoft.com/office/drawing/2010/main" val="0"/>
+                </a:ext>
+              </a:extLst>
+            </a:blip>
+            <a:srcRect/>
+            <a:stretch>
+              <a:fillRect/>
+            </a:stretch>
+          </p:blipFill>
+          <p:spPr bwMode="auto">
+            <a:xfrm>
+              <a:off x="10387080" y="5489836"/>
+              <a:ext cx="1205379" cy="642869"/>
+            </a:xfrm>
+            <a:prstGeom prst="rect">
+              <a:avLst/>
+            </a:prstGeom>
+            <a:noFill/>
+            <a:extLst>
+              <a:ext uri="{909E8E84-426E-40DD-AFC4-6F175D3DCCD1}">
+                <a14:hiddenFill xmlns:a14="http://schemas.microsoft.com/office/drawing/2010/main">
+                  <a:solidFill>
+                    <a:srgbClr val="FFFFFF"/>
+                  </a:solidFill>
+                </a14:hiddenFill>
+              </a:ext>
+            </a:extLst>
+          </p:spPr>
+        </p:pic>
+        <p:pic>
+          <p:nvPicPr>
+            <p:cNvPr id="6" name="Picture 10" descr="Apvee">
+              <a:extLst>
+                <a:ext uri="{FF2B5EF4-FFF2-40B4-BE49-F238E27FC236}">
+                  <a16:creationId xmlns:a16="http://schemas.microsoft.com/office/drawing/2014/main" id="{266B2E63-F984-1C78-457F-2CD76E58FE83}"/>
+                </a:ext>
+              </a:extLst>
+            </p:cNvPr>
+            <p:cNvPicPr>
+              <a:picLocks noChangeAspect="1" noChangeArrowheads="1"/>
+            </p:cNvPicPr>
+            <p:nvPr userDrawn="1"/>
+          </p:nvPicPr>
+          <p:blipFill>
+            <a:blip r:embed="rId10">
+              <a:extLst>
+                <a:ext uri="{28A0092B-C50C-407E-A947-70E740481C1C}">
+                  <a14:useLocalDpi xmlns:a14="http://schemas.microsoft.com/office/drawing/2010/main" val="0"/>
+                </a:ext>
+              </a:extLst>
+            </a:blip>
+            <a:srcRect/>
+            <a:stretch>
+              <a:fillRect/>
+            </a:stretch>
+          </p:blipFill>
+          <p:spPr bwMode="auto">
+            <a:xfrm>
+              <a:off x="8143618" y="6068474"/>
+              <a:ext cx="1497616" cy="798729"/>
+            </a:xfrm>
+            <a:prstGeom prst="rect">
+              <a:avLst/>
+            </a:prstGeom>
+            <a:noFill/>
+            <a:extLst>
+              <a:ext uri="{909E8E84-426E-40DD-AFC4-6F175D3DCCD1}">
+                <a14:hiddenFill xmlns:a14="http://schemas.microsoft.com/office/drawing/2010/main">
+                  <a:solidFill>
+                    <a:srgbClr val="FFFFFF"/>
+                  </a:solidFill>
+                </a14:hiddenFill>
+              </a:ext>
+            </a:extLst>
+          </p:spPr>
+        </p:pic>
+        <p:pic>
+          <p:nvPicPr>
+            <p:cNvPr id="13" name="Picture 2">
+              <a:extLst>
+                <a:ext uri="{FF2B5EF4-FFF2-40B4-BE49-F238E27FC236}">
+                  <a16:creationId xmlns:a16="http://schemas.microsoft.com/office/drawing/2014/main" id="{B89ADC62-49CA-191A-A593-5519DC2409B2}"/>
+                </a:ext>
+              </a:extLst>
+            </p:cNvPr>
+            <p:cNvPicPr>
+              <a:picLocks noChangeAspect="1" noChangeArrowheads="1"/>
+            </p:cNvPicPr>
+            <p:nvPr userDrawn="1"/>
+          </p:nvPicPr>
+          <p:blipFill>
+            <a:blip r:embed="rId11">
+              <a:extLst>
+                <a:ext uri="{28A0092B-C50C-407E-A947-70E740481C1C}">
+                  <a14:useLocalDpi xmlns:a14="http://schemas.microsoft.com/office/drawing/2010/main" val="0"/>
+                </a:ext>
+              </a:extLst>
+            </a:blip>
+            <a:srcRect/>
+            <a:stretch>
+              <a:fillRect/>
+            </a:stretch>
+          </p:blipFill>
+          <p:spPr bwMode="auto">
+            <a:xfrm>
+              <a:off x="9976190" y="6291173"/>
+              <a:ext cx="1053391" cy="400676"/>
+            </a:xfrm>
+            <a:prstGeom prst="rect">
+              <a:avLst/>
+            </a:prstGeom>
+            <a:noFill/>
+            <a:extLst>
+              <a:ext uri="{909E8E84-426E-40DD-AFC4-6F175D3DCCD1}">
+                <a14:hiddenFill xmlns:a14="http://schemas.microsoft.com/office/drawing/2010/main">
+                  <a:solidFill>
+                    <a:srgbClr val="FFFFFF"/>
+                  </a:solidFill>
+                </a14:hiddenFill>
+              </a:ext>
+            </a:extLst>
+          </p:spPr>
+        </p:pic>
+      </p:grpSp>
     </p:spTree>
     <p:extLst>
       <p:ext uri="{BB962C8B-B14F-4D97-AF65-F5344CB8AC3E}">
-        <p14:creationId xmlns:p14="http://schemas.microsoft.com/office/powerpoint/2010/main" val="2620833024"/>
+        <p14:creationId xmlns:p14="http://schemas.microsoft.com/office/powerpoint/2010/main" val="431546750"/>
       </p:ext>
     </p:extLst>
   </p:cSld>
@@ -2574,8 +2642,8 @@
         </p:blipFill>
         <p:spPr>
           <a:xfrm>
-            <a:off x="4259331" y="1576229"/>
-            <a:ext cx="3181213" cy="825571"/>
+            <a:off x="4543095" y="1576230"/>
+            <a:ext cx="3393150" cy="825571"/>
           </a:xfrm>
           <a:prstGeom prst="rect">
             <a:avLst/>
@@ -2596,29 +2664,27 @@
       </p:pic>
       <p:pic>
         <p:nvPicPr>
-          <p:cNvPr id="8" name="Google Shape;239;p1" descr="Logo BC Soft">
+          <p:cNvPr id="16" name="Google Shape;233;p1" descr="Logo Community DotNetCode">
             <a:extLst>
               <a:ext uri="{FF2B5EF4-FFF2-40B4-BE49-F238E27FC236}">
-                <a16:creationId xmlns:a16="http://schemas.microsoft.com/office/drawing/2014/main" id="{C5864EFD-AC34-106D-0C94-D512C88C2491}"/>
+                <a16:creationId xmlns:a16="http://schemas.microsoft.com/office/drawing/2014/main" id="{D9DDFB63-2BFB-8379-092B-30C0195BAA62}"/>
               </a:ext>
             </a:extLst>
           </p:cNvPr>
-          <p:cNvPicPr preferRelativeResize="0">
-            <a:picLocks noChangeAspect="1"/>
-          </p:cNvPicPr>
+          <p:cNvPicPr preferRelativeResize="0"/>
           <p:nvPr userDrawn="1"/>
         </p:nvPicPr>
         <p:blipFill rotWithShape="1">
           <a:blip r:embed="rId3">
             <a:alphaModFix/>
           </a:blip>
-          <a:srcRect l="4726" t="20069" r="6364" b="20697"/>
+          <a:srcRect/>
           <a:stretch/>
         </p:blipFill>
         <p:spPr>
           <a:xfrm>
-            <a:off x="1229517" y="5151375"/>
-            <a:ext cx="1761454" cy="625855"/>
+            <a:off x="11784526" y="6412833"/>
+            <a:ext cx="476425" cy="476445"/>
           </a:xfrm>
           <a:prstGeom prst="rect">
             <a:avLst/>
@@ -2629,39 +2695,6 @@
           </a:ln>
         </p:spPr>
       </p:pic>
-      <p:pic>
-        <p:nvPicPr>
-          <p:cNvPr id="16" name="Google Shape;233;p1" descr="Logo Community DotNetCode">
-            <a:extLst>
-              <a:ext uri="{FF2B5EF4-FFF2-40B4-BE49-F238E27FC236}">
-                <a16:creationId xmlns:a16="http://schemas.microsoft.com/office/drawing/2014/main" id="{D9DDFB63-2BFB-8379-092B-30C0195BAA62}"/>
-              </a:ext>
-            </a:extLst>
-          </p:cNvPr>
-          <p:cNvPicPr preferRelativeResize="0"/>
-          <p:nvPr userDrawn="1"/>
-        </p:nvPicPr>
-        <p:blipFill rotWithShape="1">
-          <a:blip r:embed="rId4">
-            <a:alphaModFix/>
-          </a:blip>
-          <a:srcRect/>
-          <a:stretch/>
-        </p:blipFill>
-        <p:spPr>
-          <a:xfrm>
-            <a:off x="11048461" y="6412832"/>
-            <a:ext cx="446667" cy="476445"/>
-          </a:xfrm>
-          <a:prstGeom prst="rect">
-            <a:avLst/>
-          </a:prstGeom>
-          <a:noFill/>
-          <a:ln>
-            <a:noFill/>
-          </a:ln>
-        </p:spPr>
-      </p:pic>
       <p:sp>
         <p:nvSpPr>
           <p:cNvPr id="20" name="TextBox 19">
@@ -2676,8 +2709,8 @@
         </p:nvSpPr>
         <p:spPr>
           <a:xfrm>
-            <a:off x="0" y="296397"/>
-            <a:ext cx="11699875" cy="739305"/>
+            <a:off x="1" y="296398"/>
+            <a:ext cx="12479338" cy="739305"/>
           </a:xfrm>
           <a:prstGeom prst="rect">
             <a:avLst/>
@@ -2715,7 +2748,7 @@
           <p:nvPr userDrawn="1"/>
         </p:nvPicPr>
         <p:blipFill>
-          <a:blip r:embed="rId5">
+          <a:blip r:embed="rId4">
             <a:alphaModFix/>
             <a:extLst>
               <a:ext uri="{28A0092B-C50C-407E-A947-70E740481C1C}">
@@ -2730,8 +2763,8 @@
         </p:blipFill>
         <p:spPr bwMode="auto">
           <a:xfrm>
-            <a:off x="2677866" y="3037781"/>
-            <a:ext cx="2361105" cy="1259257"/>
+            <a:off x="2856270" y="3037782"/>
+            <a:ext cx="2518405" cy="1259257"/>
           </a:xfrm>
           <a:prstGeom prst="rect">
             <a:avLst/>
@@ -2765,7 +2798,7 @@
           <p:nvPr userDrawn="1"/>
         </p:nvPicPr>
         <p:blipFill>
-          <a:blip r:embed="rId6">
+          <a:blip r:embed="rId5">
             <a:extLst>
               <a:ext uri="{28A0092B-C50C-407E-A947-70E740481C1C}">
                 <a14:useLocalDpi xmlns:a14="http://schemas.microsoft.com/office/drawing/2010/main" val="0"/>
@@ -2779,8 +2812,8 @@
         </p:blipFill>
         <p:spPr bwMode="auto">
           <a:xfrm>
-            <a:off x="6527655" y="2722888"/>
-            <a:ext cx="2951531" cy="1574150"/>
+            <a:off x="6962538" y="2722888"/>
+            <a:ext cx="3148166" cy="1574150"/>
           </a:xfrm>
           <a:prstGeom prst="rect">
             <a:avLst/>
@@ -2797,151 +2830,254 @@
           </a:extLst>
         </p:spPr>
       </p:pic>
-      <p:pic>
-        <p:nvPicPr>
-          <p:cNvPr id="5" name="Picture 6" descr="Key2">
+      <p:grpSp>
+        <p:nvGrpSpPr>
+          <p:cNvPr id="2" name="Group 1">
             <a:extLst>
               <a:ext uri="{FF2B5EF4-FFF2-40B4-BE49-F238E27FC236}">
-                <a16:creationId xmlns:a16="http://schemas.microsoft.com/office/drawing/2014/main" id="{4E11E310-AFFC-7369-BA3F-88FAAA0E7F26}"/>
+                <a16:creationId xmlns:a16="http://schemas.microsoft.com/office/drawing/2014/main" id="{F7A8B4D4-D506-3920-4711-7F0E7112C526}"/>
               </a:ext>
             </a:extLst>
           </p:cNvPr>
-          <p:cNvPicPr>
-            <a:picLocks noChangeAspect="1" noChangeArrowheads="1"/>
-          </p:cNvPicPr>
+          <p:cNvGrpSpPr/>
           <p:nvPr userDrawn="1"/>
-        </p:nvPicPr>
-        <p:blipFill>
-          <a:blip r:embed="rId7">
+        </p:nvGrpSpPr>
+        <p:grpSpPr>
+          <a:xfrm>
+            <a:off x="994081" y="4989650"/>
+            <a:ext cx="9858199" cy="949301"/>
+            <a:chOff x="994081" y="4989650"/>
+            <a:chExt cx="9858199" cy="949301"/>
+          </a:xfrm>
+        </p:grpSpPr>
+        <p:pic>
+          <p:nvPicPr>
+            <p:cNvPr id="7" name="Google Shape;239;p1" descr="Logo BC Soft">
+              <a:extLst>
+                <a:ext uri="{FF2B5EF4-FFF2-40B4-BE49-F238E27FC236}">
+                  <a16:creationId xmlns:a16="http://schemas.microsoft.com/office/drawing/2014/main" id="{42895AAF-401F-85A3-E0A1-2ADE1DBC974A}"/>
+                </a:ext>
+              </a:extLst>
+            </p:cNvPr>
+            <p:cNvPicPr preferRelativeResize="0">
+              <a:picLocks noChangeAspect="1"/>
+            </p:cNvPicPr>
+            <p:nvPr userDrawn="1"/>
+          </p:nvPicPr>
+          <p:blipFill rotWithShape="1">
+            <a:blip r:embed="rId6">
+              <a:alphaModFix/>
+            </a:blip>
+            <a:srcRect l="4726" t="20069" r="6364" b="20697"/>
+            <a:stretch/>
+          </p:blipFill>
+          <p:spPr>
+            <a:xfrm>
+              <a:off x="994081" y="5151373"/>
+              <a:ext cx="1761454" cy="625855"/>
+            </a:xfrm>
+            <a:prstGeom prst="rect">
+              <a:avLst/>
+            </a:prstGeom>
+            <a:noFill/>
+            <a:ln>
+              <a:noFill/>
+            </a:ln>
+          </p:spPr>
+        </p:pic>
+        <p:pic>
+          <p:nvPicPr>
+            <p:cNvPr id="9" name="Picture 6" descr="Key2">
+              <a:extLst>
+                <a:ext uri="{FF2B5EF4-FFF2-40B4-BE49-F238E27FC236}">
+                  <a16:creationId xmlns:a16="http://schemas.microsoft.com/office/drawing/2014/main" id="{2F8BD8D0-A7AF-6918-E941-63F162874505}"/>
+                </a:ext>
+              </a:extLst>
+            </p:cNvPr>
+            <p:cNvPicPr>
+              <a:picLocks noChangeAspect="1" noChangeArrowheads="1"/>
+            </p:cNvPicPr>
+            <p:nvPr userDrawn="1"/>
+          </p:nvPicPr>
+          <p:blipFill>
+            <a:blip r:embed="rId7">
+              <a:extLst>
+                <a:ext uri="{28A0092B-C50C-407E-A947-70E740481C1C}">
+                  <a14:useLocalDpi xmlns:a14="http://schemas.microsoft.com/office/drawing/2010/main" val="0"/>
+                </a:ext>
+              </a:extLst>
+            </a:blip>
+            <a:srcRect/>
+            <a:stretch>
+              <a:fillRect/>
+            </a:stretch>
+          </p:blipFill>
+          <p:spPr bwMode="auto">
+            <a:xfrm>
+              <a:off x="3282132" y="5064936"/>
+              <a:ext cx="1497616" cy="798729"/>
+            </a:xfrm>
+            <a:prstGeom prst="rect">
+              <a:avLst/>
+            </a:prstGeom>
+            <a:noFill/>
             <a:extLst>
-              <a:ext uri="{28A0092B-C50C-407E-A947-70E740481C1C}">
-                <a14:useLocalDpi xmlns:a14="http://schemas.microsoft.com/office/drawing/2010/main" val="0"/>
+              <a:ext uri="{909E8E84-426E-40DD-AFC4-6F175D3DCCD1}">
+                <a14:hiddenFill xmlns:a14="http://schemas.microsoft.com/office/drawing/2010/main">
+                  <a:solidFill>
+                    <a:srgbClr val="FFFFFF"/>
+                  </a:solidFill>
+                </a14:hiddenFill>
               </a:ext>
             </a:extLst>
-          </a:blip>
-          <a:srcRect/>
-          <a:stretch>
-            <a:fillRect/>
-          </a:stretch>
-        </p:blipFill>
-        <p:spPr bwMode="auto">
-          <a:xfrm>
-            <a:off x="3858419" y="5030912"/>
-            <a:ext cx="1497616" cy="798729"/>
-          </a:xfrm>
-          <a:prstGeom prst="rect">
-            <a:avLst/>
-          </a:prstGeom>
-          <a:noFill/>
-          <a:extLst>
-            <a:ext uri="{909E8E84-426E-40DD-AFC4-6F175D3DCCD1}">
-              <a14:hiddenFill xmlns:a14="http://schemas.microsoft.com/office/drawing/2010/main">
-                <a:solidFill>
-                  <a:srgbClr val="FFFFFF"/>
-                </a:solidFill>
-              </a14:hiddenFill>
-            </a:ext>
-          </a:extLst>
-        </p:spPr>
-      </p:pic>
-      <p:pic>
-        <p:nvPicPr>
-          <p:cNvPr id="15" name="Picture 8" descr="Lobra Futura">
+          </p:spPr>
+        </p:pic>
+        <p:pic>
+          <p:nvPicPr>
+            <p:cNvPr id="10" name="Picture 8" descr="Lobra Futura">
+              <a:extLst>
+                <a:ext uri="{FF2B5EF4-FFF2-40B4-BE49-F238E27FC236}">
+                  <a16:creationId xmlns:a16="http://schemas.microsoft.com/office/drawing/2014/main" id="{DEAA18B7-B078-8EEE-C475-A46CDD8B5074}"/>
+                </a:ext>
+              </a:extLst>
+            </p:cNvPr>
+            <p:cNvPicPr>
+              <a:picLocks noChangeAspect="1" noChangeArrowheads="1"/>
+            </p:cNvPicPr>
+            <p:nvPr userDrawn="1"/>
+          </p:nvPicPr>
+          <p:blipFill>
+            <a:blip r:embed="rId8">
+              <a:extLst>
+                <a:ext uri="{28A0092B-C50C-407E-A947-70E740481C1C}">
+                  <a14:useLocalDpi xmlns:a14="http://schemas.microsoft.com/office/drawing/2010/main" val="0"/>
+                </a:ext>
+              </a:extLst>
+            </a:blip>
+            <a:srcRect/>
+            <a:stretch>
+              <a:fillRect/>
+            </a:stretch>
+          </p:blipFill>
+          <p:spPr bwMode="auto">
+            <a:xfrm>
+              <a:off x="7612880" y="5074223"/>
+              <a:ext cx="1462787" cy="780154"/>
+            </a:xfrm>
+            <a:prstGeom prst="rect">
+              <a:avLst/>
+            </a:prstGeom>
+            <a:noFill/>
             <a:extLst>
-              <a:ext uri="{FF2B5EF4-FFF2-40B4-BE49-F238E27FC236}">
-                <a16:creationId xmlns:a16="http://schemas.microsoft.com/office/drawing/2014/main" id="{566E30DC-0052-D820-B13F-AA691B8DC5A5}"/>
+              <a:ext uri="{909E8E84-426E-40DD-AFC4-6F175D3DCCD1}">
+                <a14:hiddenFill xmlns:a14="http://schemas.microsoft.com/office/drawing/2010/main">
+                  <a:solidFill>
+                    <a:srgbClr val="FFFFFF"/>
+                  </a:solidFill>
+                </a14:hiddenFill>
               </a:ext>
             </a:extLst>
-          </p:cNvPr>
-          <p:cNvPicPr>
-            <a:picLocks noChangeAspect="1" noChangeArrowheads="1"/>
-          </p:cNvPicPr>
-          <p:nvPr userDrawn="1"/>
-        </p:nvPicPr>
-        <p:blipFill>
-          <a:blip r:embed="rId8">
+          </p:spPr>
+        </p:pic>
+        <p:pic>
+          <p:nvPicPr>
+            <p:cNvPr id="11" name="Picture 10" descr="Apvee">
+              <a:extLst>
+                <a:ext uri="{FF2B5EF4-FFF2-40B4-BE49-F238E27FC236}">
+                  <a16:creationId xmlns:a16="http://schemas.microsoft.com/office/drawing/2014/main" id="{F368CC40-2E3A-B4B1-B0DA-A9427C6DA4C6}"/>
+                </a:ext>
+              </a:extLst>
+            </p:cNvPr>
+            <p:cNvPicPr>
+              <a:picLocks noChangeAspect="1" noChangeArrowheads="1"/>
+            </p:cNvPicPr>
+            <p:nvPr userDrawn="1"/>
+          </p:nvPicPr>
+          <p:blipFill>
+            <a:blip r:embed="rId9">
+              <a:extLst>
+                <a:ext uri="{28A0092B-C50C-407E-A947-70E740481C1C}">
+                  <a14:useLocalDpi xmlns:a14="http://schemas.microsoft.com/office/drawing/2010/main" val="0"/>
+                </a:ext>
+              </a:extLst>
+            </a:blip>
+            <a:srcRect/>
+            <a:stretch>
+              <a:fillRect/>
+            </a:stretch>
+          </p:blipFill>
+          <p:spPr bwMode="auto">
+            <a:xfrm>
+              <a:off x="5306345" y="4989650"/>
+              <a:ext cx="1779938" cy="949301"/>
+            </a:xfrm>
+            <a:prstGeom prst="rect">
+              <a:avLst/>
+            </a:prstGeom>
+            <a:noFill/>
             <a:extLst>
-              <a:ext uri="{28A0092B-C50C-407E-A947-70E740481C1C}">
-                <a14:useLocalDpi xmlns:a14="http://schemas.microsoft.com/office/drawing/2010/main" val="0"/>
+              <a:ext uri="{909E8E84-426E-40DD-AFC4-6F175D3DCCD1}">
+                <a14:hiddenFill xmlns:a14="http://schemas.microsoft.com/office/drawing/2010/main">
+                  <a:solidFill>
+                    <a:srgbClr val="FFFFFF"/>
+                  </a:solidFill>
+                </a14:hiddenFill>
               </a:ext>
             </a:extLst>
-          </a:blip>
-          <a:srcRect/>
-          <a:stretch>
-            <a:fillRect/>
-          </a:stretch>
-        </p:blipFill>
-        <p:spPr bwMode="auto">
-          <a:xfrm>
-            <a:off x="8870871" y="5074224"/>
-            <a:ext cx="1462787" cy="780154"/>
-          </a:xfrm>
-          <a:prstGeom prst="rect">
-            <a:avLst/>
-          </a:prstGeom>
-          <a:noFill/>
-          <a:extLst>
-            <a:ext uri="{909E8E84-426E-40DD-AFC4-6F175D3DCCD1}">
-              <a14:hiddenFill xmlns:a14="http://schemas.microsoft.com/office/drawing/2010/main">
-                <a:solidFill>
-                  <a:srgbClr val="FFFFFF"/>
-                </a:solidFill>
-              </a14:hiddenFill>
-            </a:ext>
-          </a:extLst>
-        </p:spPr>
-      </p:pic>
-      <p:pic>
-        <p:nvPicPr>
-          <p:cNvPr id="17" name="Picture 10" descr="Apvee">
+          </p:spPr>
+        </p:pic>
+        <p:pic>
+          <p:nvPicPr>
+            <p:cNvPr id="12" name="Picture 2">
+              <a:extLst>
+                <a:ext uri="{FF2B5EF4-FFF2-40B4-BE49-F238E27FC236}">
+                  <a16:creationId xmlns:a16="http://schemas.microsoft.com/office/drawing/2014/main" id="{934D107D-D9D8-7F2C-9B13-274C2412C9C6}"/>
+                </a:ext>
+              </a:extLst>
+            </p:cNvPr>
+            <p:cNvPicPr>
+              <a:picLocks noChangeAspect="1" noChangeArrowheads="1"/>
+            </p:cNvPicPr>
+            <p:nvPr userDrawn="1"/>
+          </p:nvPicPr>
+          <p:blipFill>
+            <a:blip r:embed="rId10">
+              <a:extLst>
+                <a:ext uri="{28A0092B-C50C-407E-A947-70E740481C1C}">
+                  <a14:useLocalDpi xmlns:a14="http://schemas.microsoft.com/office/drawing/2010/main" val="0"/>
+                </a:ext>
+              </a:extLst>
+            </a:blip>
+            <a:srcRect/>
+            <a:stretch>
+              <a:fillRect/>
+            </a:stretch>
+          </p:blipFill>
+          <p:spPr bwMode="auto">
+            <a:xfrm>
+              <a:off x="9602263" y="5301763"/>
+              <a:ext cx="1250017" cy="475466"/>
+            </a:xfrm>
+            <a:prstGeom prst="rect">
+              <a:avLst/>
+            </a:prstGeom>
+            <a:noFill/>
             <a:extLst>
-              <a:ext uri="{FF2B5EF4-FFF2-40B4-BE49-F238E27FC236}">
-                <a16:creationId xmlns:a16="http://schemas.microsoft.com/office/drawing/2014/main" id="{C69DE6B2-0EAC-A291-43CE-E6DA9E136318}"/>
+              <a:ext uri="{909E8E84-426E-40DD-AFC4-6F175D3DCCD1}">
+                <a14:hiddenFill xmlns:a14="http://schemas.microsoft.com/office/drawing/2010/main">
+                  <a:solidFill>
+                    <a:srgbClr val="FFFFFF"/>
+                  </a:solidFill>
+                </a14:hiddenFill>
               </a:ext>
             </a:extLst>
-          </p:cNvPr>
-          <p:cNvPicPr>
-            <a:picLocks noChangeAspect="1" noChangeArrowheads="1"/>
-          </p:cNvPicPr>
-          <p:nvPr userDrawn="1"/>
-        </p:nvPicPr>
-        <p:blipFill>
-          <a:blip r:embed="rId9">
-            <a:extLst>
-              <a:ext uri="{28A0092B-C50C-407E-A947-70E740481C1C}">
-                <a14:useLocalDpi xmlns:a14="http://schemas.microsoft.com/office/drawing/2010/main" val="0"/>
-              </a:ext>
-            </a:extLst>
-          </a:blip>
-          <a:srcRect/>
-          <a:stretch>
-            <a:fillRect/>
-          </a:stretch>
-        </p:blipFill>
-        <p:spPr bwMode="auto">
-          <a:xfrm>
-            <a:off x="6223483" y="4989650"/>
-            <a:ext cx="1779938" cy="949301"/>
-          </a:xfrm>
-          <a:prstGeom prst="rect">
-            <a:avLst/>
-          </a:prstGeom>
-          <a:noFill/>
-          <a:extLst>
-            <a:ext uri="{909E8E84-426E-40DD-AFC4-6F175D3DCCD1}">
-              <a14:hiddenFill xmlns:a14="http://schemas.microsoft.com/office/drawing/2010/main">
-                <a:solidFill>
-                  <a:srgbClr val="FFFFFF"/>
-                </a:solidFill>
-              </a14:hiddenFill>
-            </a:ext>
-          </a:extLst>
-        </p:spPr>
-      </p:pic>
+          </p:spPr>
+        </p:pic>
+      </p:grpSp>
     </p:spTree>
     <p:extLst>
       <p:ext uri="{BB962C8B-B14F-4D97-AF65-F5344CB8AC3E}">
-        <p14:creationId xmlns:p14="http://schemas.microsoft.com/office/powerpoint/2010/main" val="2895746068"/>
+        <p14:creationId xmlns:p14="http://schemas.microsoft.com/office/powerpoint/2010/main" val="3087073282"/>
       </p:ext>
     </p:extLst>
   </p:cSld>
@@ -2956,7 +3092,7 @@
             <a:srgbClr val="FBAE40"/>
           </p15:clr>
         </p15:guide>
-        <p15:guide id="2" pos="3685">
+        <p15:guide id="2" pos="3931">
           <p15:clr>
             <a:srgbClr val="FBAE40"/>
           </p15:clr>
@@ -3002,7 +3138,7 @@
         <p:spPr>
           <a:xfrm>
             <a:off x="1" y="15600"/>
-            <a:ext cx="11699876" cy="7019925"/>
+            <a:ext cx="12479339" cy="7019925"/>
           </a:xfrm>
           <a:prstGeom prst="rect">
             <a:avLst/>
@@ -3058,8 +3194,8 @@
         </p:nvSpPr>
         <p:spPr>
           <a:xfrm rot="10800000" flipH="1">
-            <a:off x="0" y="-490"/>
-            <a:ext cx="8537671" cy="7020415"/>
+            <a:off x="1" y="-490"/>
+            <a:ext cx="9106463" cy="7020415"/>
           </a:xfrm>
           <a:custGeom>
             <a:avLst/>
@@ -3152,8 +3288,8 @@
         </p:nvSpPr>
         <p:spPr>
           <a:xfrm rot="10800000" flipH="1">
-            <a:off x="1" y="-489"/>
-            <a:ext cx="7769447" cy="7020415"/>
+            <a:off x="2" y="-489"/>
+            <a:ext cx="8287059" cy="7020415"/>
           </a:xfrm>
           <a:custGeom>
             <a:avLst/>
@@ -3255,8 +3391,8 @@
         </p:blipFill>
         <p:spPr>
           <a:xfrm>
-            <a:off x="10644044" y="161438"/>
-            <a:ext cx="941268" cy="1004019"/>
+            <a:off x="11353166" y="161439"/>
+            <a:ext cx="1003977" cy="1004019"/>
           </a:xfrm>
           <a:prstGeom prst="rect">
             <a:avLst/>
@@ -3281,8 +3417,8 @@
         </p:nvSpPr>
         <p:spPr>
           <a:xfrm>
-            <a:off x="-2" y="3084409"/>
-            <a:ext cx="6071490" cy="798039"/>
+            <a:off x="-2" y="3084410"/>
+            <a:ext cx="6475982" cy="798039"/>
           </a:xfrm>
           <a:prstGeom prst="rect">
             <a:avLst/>
@@ -3336,8 +3472,8 @@
         </p:blipFill>
         <p:spPr bwMode="auto">
           <a:xfrm>
-            <a:off x="8177862" y="1817557"/>
-            <a:ext cx="2466182" cy="3416010"/>
+            <a:off x="8722683" y="1817557"/>
+            <a:ext cx="2630483" cy="3416010"/>
           </a:xfrm>
           <a:prstGeom prst="rect">
             <a:avLst/>
@@ -3372,8 +3508,8 @@
         </p:nvSpPr>
         <p:spPr>
           <a:xfrm>
-            <a:off x="880336" y="-2737380"/>
-            <a:ext cx="6889112" cy="503417"/>
+            <a:off x="938985" y="-2737380"/>
+            <a:ext cx="7348075" cy="503417"/>
           </a:xfrm>
           <a:prstGeom prst="rect">
             <a:avLst/>
@@ -3405,7 +3541,7 @@
     </p:spTree>
     <p:extLst>
       <p:ext uri="{BB962C8B-B14F-4D97-AF65-F5344CB8AC3E}">
-        <p14:creationId xmlns:p14="http://schemas.microsoft.com/office/powerpoint/2010/main" val="892071253"/>
+        <p14:creationId xmlns:p14="http://schemas.microsoft.com/office/powerpoint/2010/main" val="846408120"/>
       </p:ext>
     </p:extLst>
   </p:cSld>
@@ -3450,7 +3586,7 @@
         <p:spPr>
           <a:xfrm>
             <a:off x="1" y="15600"/>
-            <a:ext cx="11699876" cy="7019925"/>
+            <a:ext cx="12479339" cy="7019925"/>
           </a:xfrm>
           <a:prstGeom prst="rect">
             <a:avLst/>
@@ -3506,8 +3642,8 @@
         </p:nvSpPr>
         <p:spPr>
           <a:xfrm rot="10800000" flipH="1">
-            <a:off x="0" y="-490"/>
-            <a:ext cx="8537671" cy="7020415"/>
+            <a:off x="1" y="-490"/>
+            <a:ext cx="9106463" cy="7020415"/>
           </a:xfrm>
           <a:custGeom>
             <a:avLst/>
@@ -3600,8 +3736,8 @@
         </p:nvSpPr>
         <p:spPr>
           <a:xfrm rot="10800000" flipH="1">
-            <a:off x="1" y="-489"/>
-            <a:ext cx="7769447" cy="7020415"/>
+            <a:off x="2" y="-489"/>
+            <a:ext cx="8287059" cy="7020415"/>
           </a:xfrm>
           <a:custGeom>
             <a:avLst/>
@@ -3703,8 +3839,8 @@
         </p:blipFill>
         <p:spPr>
           <a:xfrm>
-            <a:off x="10644044" y="161438"/>
-            <a:ext cx="941268" cy="1004019"/>
+            <a:off x="11353166" y="161439"/>
+            <a:ext cx="1003977" cy="1004019"/>
           </a:xfrm>
           <a:prstGeom prst="rect">
             <a:avLst/>
@@ -3729,8 +3865,8 @@
         </p:nvSpPr>
         <p:spPr>
           <a:xfrm>
-            <a:off x="-2" y="3084409"/>
-            <a:ext cx="6071490" cy="798039"/>
+            <a:off x="-2" y="3084410"/>
+            <a:ext cx="6475982" cy="798039"/>
           </a:xfrm>
           <a:prstGeom prst="rect">
             <a:avLst/>
@@ -3784,8 +3920,8 @@
         </p:blipFill>
         <p:spPr bwMode="auto">
           <a:xfrm>
-            <a:off x="8177862" y="1817557"/>
-            <a:ext cx="2466182" cy="3416010"/>
+            <a:off x="8722683" y="1817557"/>
+            <a:ext cx="2630483" cy="3416010"/>
           </a:xfrm>
           <a:prstGeom prst="rect">
             <a:avLst/>
@@ -3820,8 +3956,8 @@
         </p:nvSpPr>
         <p:spPr>
           <a:xfrm>
-            <a:off x="591646" y="-2762793"/>
-            <a:ext cx="6889112" cy="1656120"/>
+            <a:off x="631062" y="-2762793"/>
+            <a:ext cx="7348075" cy="1656120"/>
           </a:xfrm>
           <a:prstGeom prst="rect">
             <a:avLst/>
@@ -3853,7 +3989,7 @@
     </p:spTree>
     <p:extLst>
       <p:ext uri="{BB962C8B-B14F-4D97-AF65-F5344CB8AC3E}">
-        <p14:creationId xmlns:p14="http://schemas.microsoft.com/office/powerpoint/2010/main" val="2057190788"/>
+        <p14:creationId xmlns:p14="http://schemas.microsoft.com/office/powerpoint/2010/main" val="3199163794"/>
       </p:ext>
     </p:extLst>
   </p:cSld>
@@ -3898,7 +4034,7 @@
         <p:spPr>
           <a:xfrm>
             <a:off x="1" y="15600"/>
-            <a:ext cx="11699876" cy="7019925"/>
+            <a:ext cx="12479339" cy="7019925"/>
           </a:xfrm>
           <a:prstGeom prst="rect">
             <a:avLst/>
@@ -3954,8 +4090,8 @@
         </p:nvSpPr>
         <p:spPr>
           <a:xfrm rot="10800000" flipH="1">
-            <a:off x="0" y="-490"/>
-            <a:ext cx="8537671" cy="7020415"/>
+            <a:off x="1" y="-490"/>
+            <a:ext cx="9106463" cy="7020415"/>
           </a:xfrm>
           <a:custGeom>
             <a:avLst/>
@@ -4048,8 +4184,8 @@
         </p:nvSpPr>
         <p:spPr>
           <a:xfrm rot="10800000" flipH="1">
-            <a:off x="1" y="-489"/>
-            <a:ext cx="7769447" cy="7020415"/>
+            <a:off x="2" y="-489"/>
+            <a:ext cx="8287059" cy="7020415"/>
           </a:xfrm>
           <a:custGeom>
             <a:avLst/>
@@ -4151,8 +4287,8 @@
         </p:blipFill>
         <p:spPr>
           <a:xfrm>
-            <a:off x="10644044" y="161438"/>
-            <a:ext cx="941268" cy="1004019"/>
+            <a:off x="11353166" y="161439"/>
+            <a:ext cx="1003977" cy="1004019"/>
           </a:xfrm>
           <a:prstGeom prst="rect">
             <a:avLst/>
@@ -4192,8 +4328,8 @@
         </p:blipFill>
         <p:spPr bwMode="auto">
           <a:xfrm>
-            <a:off x="8177862" y="1817557"/>
-            <a:ext cx="2466182" cy="3416010"/>
+            <a:off x="8722683" y="1817557"/>
+            <a:ext cx="2630483" cy="3416010"/>
           </a:xfrm>
           <a:prstGeom prst="rect">
             <a:avLst/>
@@ -4228,8 +4364,8 @@
         </p:nvSpPr>
         <p:spPr>
           <a:xfrm>
-            <a:off x="1771363" y="2271332"/>
-            <a:ext cx="2497473" cy="2476773"/>
+            <a:off x="1889375" y="2271333"/>
+            <a:ext cx="2663858" cy="2476773"/>
           </a:xfrm>
           <a:prstGeom prst="rect">
             <a:avLst/>
@@ -4298,8 +4434,8 @@
         </p:nvSpPr>
         <p:spPr>
           <a:xfrm>
-            <a:off x="216532" y="161438"/>
-            <a:ext cx="10091142" cy="937549"/>
+            <a:off x="230958" y="161439"/>
+            <a:ext cx="10763429" cy="937549"/>
           </a:xfrm>
           <a:prstGeom prst="rect">
             <a:avLst/>
@@ -4329,7 +4465,7 @@
     </p:spTree>
     <p:extLst>
       <p:ext uri="{BB962C8B-B14F-4D97-AF65-F5344CB8AC3E}">
-        <p14:creationId xmlns:p14="http://schemas.microsoft.com/office/powerpoint/2010/main" val="783750651"/>
+        <p14:creationId xmlns:p14="http://schemas.microsoft.com/office/powerpoint/2010/main" val="691550522"/>
       </p:ext>
     </p:extLst>
   </p:cSld>
@@ -4396,8 +4532,8 @@
         </p:nvSpPr>
         <p:spPr>
           <a:xfrm>
-            <a:off x="299809" y="46150"/>
-            <a:ext cx="10018018" cy="1116038"/>
+            <a:off x="319783" y="46150"/>
+            <a:ext cx="10685433" cy="1116038"/>
           </a:xfrm>
           <a:prstGeom prst="rect">
             <a:avLst/>
@@ -4441,8 +4577,8 @@
         </p:nvSpPr>
         <p:spPr>
           <a:xfrm>
-            <a:off x="299809" y="1341586"/>
-            <a:ext cx="11107569" cy="4833024"/>
+            <a:off x="319783" y="1341586"/>
+            <a:ext cx="11847572" cy="4833024"/>
           </a:xfrm>
           <a:prstGeom prst="rect">
             <a:avLst/>
@@ -4506,8 +4642,8 @@
         </p:nvSpPr>
         <p:spPr>
           <a:xfrm>
-            <a:off x="0" y="1208987"/>
-            <a:ext cx="11699875" cy="5113821"/>
+            <a:off x="1" y="1208988"/>
+            <a:ext cx="12479338" cy="5113821"/>
           </a:xfrm>
           <a:prstGeom prst="rect">
             <a:avLst/>
@@ -4568,8 +4704,8 @@
         </p:blipFill>
         <p:spPr>
           <a:xfrm>
-            <a:off x="11048461" y="6412832"/>
-            <a:ext cx="446667" cy="476445"/>
+            <a:off x="11784526" y="6412833"/>
+            <a:ext cx="476425" cy="476445"/>
           </a:xfrm>
           <a:prstGeom prst="rect">
             <a:avLst/>
@@ -4609,8 +4745,8 @@
         </p:blipFill>
         <p:spPr bwMode="auto">
           <a:xfrm flipH="1">
-            <a:off x="10735866" y="139098"/>
-            <a:ext cx="671512" cy="930140"/>
+            <a:off x="11451105" y="139098"/>
+            <a:ext cx="716249" cy="930140"/>
           </a:xfrm>
           <a:prstGeom prst="rect">
             <a:avLst/>
@@ -4748,8 +4884,8 @@
           <a:lstStyle/>
           <a:p>
             <a:fld id="{C764DE79-268F-4C1A-8933-263129D2AF90}" type="datetimeFigureOut">
-              <a:rPr lang="en-US" dirty="0"/>
-              <a:t>9/9/2025</a:t>
+              <a:rPr lang="en-US" smtClean="0"/>
+              <a:t>9/24/2025</a:t>
             </a:fld>
             <a:endParaRPr lang="en-US" dirty="0"/>
           </a:p>
@@ -4790,7 +4926,7 @@
           <a:lstStyle/>
           <a:p>
             <a:fld id="{48F63A3B-78C7-47BE-AE5E-E10140E04643}" type="slidenum">
-              <a:rPr lang="en-US" dirty="0"/>
+              <a:rPr lang="en-US" smtClean="0"/>
               <a:t>‹#›</a:t>
             </a:fld>
             <a:endParaRPr lang="en-US" dirty="0"/>
@@ -4802,7 +4938,7 @@
           <p:cNvPr id="7" name="Rectangle 6">
             <a:extLst>
               <a:ext uri="{FF2B5EF4-FFF2-40B4-BE49-F238E27FC236}">
-                <a16:creationId xmlns:a16="http://schemas.microsoft.com/office/drawing/2014/main" id="{5F93E71F-6233-639B-FE99-3DE966CE18FB}"/>
+                <a16:creationId xmlns:a16="http://schemas.microsoft.com/office/drawing/2014/main" id="{45FE396D-B853-C527-0433-FFF92840980F}"/>
               </a:ext>
               <a:ext uri="{C183D7F6-B498-43B3-948B-1728B52AA6E4}">
                 <adec:decorative xmlns:adec="http://schemas.microsoft.com/office/drawing/2017/decorative" val="1"/>
@@ -4814,8 +4950,8 @@
         </p:nvSpPr>
         <p:spPr>
           <a:xfrm>
-            <a:off x="0" y="1208987"/>
-            <a:ext cx="11699875" cy="5113821"/>
+            <a:off x="1" y="1208988"/>
+            <a:ext cx="12479338" cy="5113821"/>
           </a:xfrm>
           <a:prstGeom prst="rect">
             <a:avLst/>
@@ -4857,7 +4993,7 @@
           <p:cNvPr id="8" name="Google Shape;233;p1">
             <a:extLst>
               <a:ext uri="{FF2B5EF4-FFF2-40B4-BE49-F238E27FC236}">
-                <a16:creationId xmlns:a16="http://schemas.microsoft.com/office/drawing/2014/main" id="{0B3D9B04-C4FB-0D40-5F6C-57A06E0B0AEB}"/>
+                <a16:creationId xmlns:a16="http://schemas.microsoft.com/office/drawing/2014/main" id="{2C64A81E-191F-F03A-22E7-27D5BABBC689}"/>
               </a:ext>
               <a:ext uri="{C183D7F6-B498-43B3-948B-1728B52AA6E4}">
                 <adec:decorative xmlns:adec="http://schemas.microsoft.com/office/drawing/2017/decorative" val="1"/>
@@ -4876,8 +5012,8 @@
         </p:blipFill>
         <p:spPr>
           <a:xfrm>
-            <a:off x="11048461" y="6412832"/>
-            <a:ext cx="446667" cy="476445"/>
+            <a:off x="11784526" y="6412833"/>
+            <a:ext cx="476425" cy="476445"/>
           </a:xfrm>
           <a:prstGeom prst="rect">
             <a:avLst/>
@@ -4893,7 +5029,7 @@
           <p:cNvPr id="9" name="Picture 12" descr="Power Agent Conference 2025">
             <a:extLst>
               <a:ext uri="{FF2B5EF4-FFF2-40B4-BE49-F238E27FC236}">
-                <a16:creationId xmlns:a16="http://schemas.microsoft.com/office/drawing/2014/main" id="{33F0E836-3148-E09D-D8B8-44C0144A82B5}"/>
+                <a16:creationId xmlns:a16="http://schemas.microsoft.com/office/drawing/2014/main" id="{5D8C33DA-0E88-A7D3-EE13-8F7628E7EFE9}"/>
               </a:ext>
             </a:extLst>
           </p:cNvPr>
@@ -4917,8 +5053,8 @@
         </p:blipFill>
         <p:spPr bwMode="auto">
           <a:xfrm flipH="1">
-            <a:off x="10735866" y="139098"/>
-            <a:ext cx="671512" cy="930140"/>
+            <a:off x="11451105" y="139098"/>
+            <a:ext cx="716249" cy="930140"/>
           </a:xfrm>
           <a:prstGeom prst="rect">
             <a:avLst/>
@@ -4938,7 +5074,7 @@
     </p:spTree>
     <p:extLst>
       <p:ext uri="{BB962C8B-B14F-4D97-AF65-F5344CB8AC3E}">
-        <p14:creationId xmlns:p14="http://schemas.microsoft.com/office/powerpoint/2010/main" val="1580018191"/>
+        <p14:creationId xmlns:p14="http://schemas.microsoft.com/office/powerpoint/2010/main" val="3319634690"/>
       </p:ext>
     </p:extLst>
   </p:cSld>
@@ -4977,15 +5113,15 @@
         </p:nvSpPr>
         <p:spPr>
           <a:xfrm>
-            <a:off x="798273" y="1750107"/>
-            <a:ext cx="10091142" cy="2920093"/>
+            <a:off x="851455" y="1750107"/>
+            <a:ext cx="10763429" cy="2920093"/>
           </a:xfrm>
         </p:spPr>
         <p:txBody>
           <a:bodyPr anchor="b"/>
           <a:lstStyle>
             <a:lvl1pPr>
-              <a:defRPr sz="5758"/>
+              <a:defRPr sz="6142"/>
             </a:lvl1pPr>
           </a:lstStyle>
           <a:p>
@@ -5009,8 +5145,8 @@
         </p:nvSpPr>
         <p:spPr>
           <a:xfrm>
-            <a:off x="798273" y="4697826"/>
-            <a:ext cx="10091142" cy="1535608"/>
+            <a:off x="851455" y="4697826"/>
+            <a:ext cx="10763429" cy="1535608"/>
           </a:xfrm>
         </p:spPr>
         <p:txBody>
@@ -5018,7 +5154,7 @@
           <a:lstStyle>
             <a:lvl1pPr marL="0" indent="0">
               <a:buNone/>
-              <a:defRPr sz="2303">
+              <a:defRPr sz="2457">
                 <a:solidFill>
                   <a:schemeClr val="tx1">
                     <a:tint val="82000"/>
@@ -5026,9 +5162,9 @@
                 </a:solidFill>
               </a:defRPr>
             </a:lvl1pPr>
-            <a:lvl2pPr marL="438729" indent="0">
+            <a:lvl2pPr marL="467990" indent="0">
               <a:buNone/>
-              <a:defRPr sz="1919">
+              <a:defRPr sz="2047">
                 <a:solidFill>
                   <a:schemeClr val="tx1">
                     <a:tint val="82000"/>
@@ -5036,9 +5172,9 @@
                 </a:solidFill>
               </a:defRPr>
             </a:lvl2pPr>
-            <a:lvl3pPr marL="877458" indent="0">
+            <a:lvl3pPr marL="935980" indent="0">
               <a:buNone/>
-              <a:defRPr sz="1727">
+              <a:defRPr sz="1842">
                 <a:solidFill>
                   <a:schemeClr val="tx1">
                     <a:tint val="82000"/>
@@ -5046,9 +5182,9 @@
                 </a:solidFill>
               </a:defRPr>
             </a:lvl3pPr>
-            <a:lvl4pPr marL="1316187" indent="0">
+            <a:lvl4pPr marL="1403970" indent="0">
               <a:buNone/>
-              <a:defRPr sz="1535">
+              <a:defRPr sz="1638">
                 <a:solidFill>
                   <a:schemeClr val="tx1">
                     <a:tint val="82000"/>
@@ -5056,9 +5192,9 @@
                 </a:solidFill>
               </a:defRPr>
             </a:lvl4pPr>
-            <a:lvl5pPr marL="1754916" indent="0">
+            <a:lvl5pPr marL="1871960" indent="0">
               <a:buNone/>
-              <a:defRPr sz="1535">
+              <a:defRPr sz="1638">
                 <a:solidFill>
                   <a:schemeClr val="tx1">
                     <a:tint val="82000"/>
@@ -5066,9 +5202,9 @@
                 </a:solidFill>
               </a:defRPr>
             </a:lvl5pPr>
-            <a:lvl6pPr marL="2193646" indent="0">
+            <a:lvl6pPr marL="2339950" indent="0">
               <a:buNone/>
-              <a:defRPr sz="1535">
+              <a:defRPr sz="1638">
                 <a:solidFill>
                   <a:schemeClr val="tx1">
                     <a:tint val="82000"/>
@@ -5076,9 +5212,9 @@
                 </a:solidFill>
               </a:defRPr>
             </a:lvl6pPr>
-            <a:lvl7pPr marL="2632375" indent="0">
+            <a:lvl7pPr marL="2807940" indent="0">
               <a:buNone/>
-              <a:defRPr sz="1535">
+              <a:defRPr sz="1638">
                 <a:solidFill>
                   <a:schemeClr val="tx1">
                     <a:tint val="82000"/>
@@ -5086,9 +5222,9 @@
                 </a:solidFill>
               </a:defRPr>
             </a:lvl7pPr>
-            <a:lvl8pPr marL="3071104" indent="0">
+            <a:lvl8pPr marL="3275929" indent="0">
               <a:buNone/>
-              <a:defRPr sz="1535">
+              <a:defRPr sz="1638">
                 <a:solidFill>
                   <a:schemeClr val="tx1">
                     <a:tint val="82000"/>
@@ -5096,9 +5232,9 @@
                 </a:solidFill>
               </a:defRPr>
             </a:lvl8pPr>
-            <a:lvl9pPr marL="3509833" indent="0">
+            <a:lvl9pPr marL="3743919" indent="0">
               <a:buNone/>
-              <a:defRPr sz="1535">
+              <a:defRPr sz="1638">
                 <a:solidFill>
                   <a:schemeClr val="tx1">
                     <a:tint val="82000"/>
@@ -5132,8 +5268,8 @@
           <a:lstStyle/>
           <a:p>
             <a:fld id="{C764DE79-268F-4C1A-8933-263129D2AF90}" type="datetimeFigureOut">
-              <a:rPr lang="en-US" dirty="0"/>
-              <a:t>9/9/2025</a:t>
+              <a:rPr lang="en-US" smtClean="0"/>
+              <a:t>9/24/2025</a:t>
             </a:fld>
             <a:endParaRPr lang="en-US" dirty="0"/>
           </a:p>
@@ -5174,7 +5310,7 @@
           <a:lstStyle/>
           <a:p>
             <a:fld id="{48F63A3B-78C7-47BE-AE5E-E10140E04643}" type="slidenum">
-              <a:rPr lang="en-US" dirty="0"/>
+              <a:rPr lang="en-US" smtClean="0"/>
               <a:t>‹#›</a:t>
             </a:fld>
             <a:endParaRPr lang="en-US" dirty="0"/>
@@ -5184,7 +5320,7 @@
     </p:spTree>
     <p:extLst>
       <p:ext uri="{BB962C8B-B14F-4D97-AF65-F5344CB8AC3E}">
-        <p14:creationId xmlns:p14="http://schemas.microsoft.com/office/powerpoint/2010/main" val="572070033"/>
+        <p14:creationId xmlns:p14="http://schemas.microsoft.com/office/powerpoint/2010/main" val="1395001159"/>
       </p:ext>
     </p:extLst>
   </p:cSld>
@@ -5246,8 +5382,8 @@
         </p:nvSpPr>
         <p:spPr>
           <a:xfrm>
-            <a:off x="804366" y="1868730"/>
-            <a:ext cx="4972447" cy="4454078"/>
+            <a:off x="857954" y="1868730"/>
+            <a:ext cx="5303719" cy="4454078"/>
           </a:xfrm>
         </p:spPr>
         <p:txBody>
@@ -5303,8 +5439,8 @@
         </p:nvSpPr>
         <p:spPr>
           <a:xfrm>
-            <a:off x="5923062" y="1868730"/>
-            <a:ext cx="4972447" cy="4454078"/>
+            <a:off x="6317665" y="1868730"/>
+            <a:ext cx="5303719" cy="4454078"/>
           </a:xfrm>
         </p:spPr>
         <p:txBody>
@@ -5364,8 +5500,8 @@
           <a:lstStyle/>
           <a:p>
             <a:fld id="{C764DE79-268F-4C1A-8933-263129D2AF90}" type="datetimeFigureOut">
-              <a:rPr lang="en-US" dirty="0"/>
-              <a:t>9/9/2025</a:t>
+              <a:rPr lang="en-US" smtClean="0"/>
+              <a:t>9/24/2025</a:t>
             </a:fld>
             <a:endParaRPr lang="en-US" dirty="0"/>
           </a:p>
@@ -5406,7 +5542,7 @@
           <a:lstStyle/>
           <a:p>
             <a:fld id="{48F63A3B-78C7-47BE-AE5E-E10140E04643}" type="slidenum">
-              <a:rPr lang="en-US" dirty="0"/>
+              <a:rPr lang="en-US" smtClean="0"/>
               <a:t>‹#›</a:t>
             </a:fld>
             <a:endParaRPr lang="en-US" dirty="0"/>
@@ -5416,7 +5552,7 @@
     </p:spTree>
     <p:extLst>
       <p:ext uri="{BB962C8B-B14F-4D97-AF65-F5344CB8AC3E}">
-        <p14:creationId xmlns:p14="http://schemas.microsoft.com/office/powerpoint/2010/main" val="1355481836"/>
+        <p14:creationId xmlns:p14="http://schemas.microsoft.com/office/powerpoint/2010/main" val="3127994838"/>
       </p:ext>
     </p:extLst>
   </p:cSld>
@@ -5455,8 +5591,8 @@
         </p:nvSpPr>
         <p:spPr>
           <a:xfrm>
-            <a:off x="805890" y="373747"/>
-            <a:ext cx="10091142" cy="1356861"/>
+            <a:off x="859580" y="373747"/>
+            <a:ext cx="10763429" cy="1356861"/>
           </a:xfrm>
         </p:spPr>
         <p:txBody>
@@ -5483,8 +5619,8 @@
         </p:nvSpPr>
         <p:spPr>
           <a:xfrm>
-            <a:off x="805891" y="1720857"/>
-            <a:ext cx="4949595" cy="843365"/>
+            <a:off x="859581" y="1720857"/>
+            <a:ext cx="5279344" cy="843365"/>
           </a:xfrm>
         </p:spPr>
         <p:txBody>
@@ -5492,39 +5628,39 @@
           <a:lstStyle>
             <a:lvl1pPr marL="0" indent="0">
               <a:buNone/>
-              <a:defRPr sz="2303" b="1"/>
+              <a:defRPr sz="2457" b="1"/>
             </a:lvl1pPr>
-            <a:lvl2pPr marL="438729" indent="0">
+            <a:lvl2pPr marL="467990" indent="0">
               <a:buNone/>
-              <a:defRPr sz="1919" b="1"/>
+              <a:defRPr sz="2047" b="1"/>
             </a:lvl2pPr>
-            <a:lvl3pPr marL="877458" indent="0">
+            <a:lvl3pPr marL="935980" indent="0">
               <a:buNone/>
-              <a:defRPr sz="1727" b="1"/>
+              <a:defRPr sz="1842" b="1"/>
             </a:lvl3pPr>
-            <a:lvl4pPr marL="1316187" indent="0">
+            <a:lvl4pPr marL="1403970" indent="0">
               <a:buNone/>
-              <a:defRPr sz="1535" b="1"/>
+              <a:defRPr sz="1638" b="1"/>
             </a:lvl4pPr>
-            <a:lvl5pPr marL="1754916" indent="0">
+            <a:lvl5pPr marL="1871960" indent="0">
               <a:buNone/>
-              <a:defRPr sz="1535" b="1"/>
+              <a:defRPr sz="1638" b="1"/>
             </a:lvl5pPr>
-            <a:lvl6pPr marL="2193646" indent="0">
+            <a:lvl6pPr marL="2339950" indent="0">
               <a:buNone/>
-              <a:defRPr sz="1535" b="1"/>
+              <a:defRPr sz="1638" b="1"/>
             </a:lvl6pPr>
-            <a:lvl7pPr marL="2632375" indent="0">
+            <a:lvl7pPr marL="2807940" indent="0">
               <a:buNone/>
-              <a:defRPr sz="1535" b="1"/>
+              <a:defRPr sz="1638" b="1"/>
             </a:lvl7pPr>
-            <a:lvl8pPr marL="3071104" indent="0">
+            <a:lvl8pPr marL="3275929" indent="0">
               <a:buNone/>
-              <a:defRPr sz="1535" b="1"/>
+              <a:defRPr sz="1638" b="1"/>
             </a:lvl8pPr>
-            <a:lvl9pPr marL="3509833" indent="0">
+            <a:lvl9pPr marL="3743919" indent="0">
               <a:buNone/>
-              <a:defRPr sz="1535" b="1"/>
+              <a:defRPr sz="1638" b="1"/>
             </a:lvl9pPr>
           </a:lstStyle>
           <a:p>
@@ -5548,8 +5684,8 @@
         </p:nvSpPr>
         <p:spPr>
           <a:xfrm>
-            <a:off x="805891" y="2564223"/>
-            <a:ext cx="4949595" cy="3771585"/>
+            <a:off x="859581" y="2564223"/>
+            <a:ext cx="5279344" cy="3771585"/>
           </a:xfrm>
         </p:spPr>
         <p:txBody>
@@ -5605,8 +5741,8 @@
         </p:nvSpPr>
         <p:spPr>
           <a:xfrm>
-            <a:off x="5923062" y="1720857"/>
-            <a:ext cx="4973971" cy="843365"/>
+            <a:off x="6317665" y="1720857"/>
+            <a:ext cx="5305344" cy="843365"/>
           </a:xfrm>
         </p:spPr>
         <p:txBody>
@@ -5614,39 +5750,39 @@
           <a:lstStyle>
             <a:lvl1pPr marL="0" indent="0">
               <a:buNone/>
-              <a:defRPr sz="2303" b="1"/>
+              <a:defRPr sz="2457" b="1"/>
             </a:lvl1pPr>
-            <a:lvl2pPr marL="438729" indent="0">
+            <a:lvl2pPr marL="467990" indent="0">
               <a:buNone/>
-              <a:defRPr sz="1919" b="1"/>
+              <a:defRPr sz="2047" b="1"/>
             </a:lvl2pPr>
-            <a:lvl3pPr marL="877458" indent="0">
+            <a:lvl3pPr marL="935980" indent="0">
               <a:buNone/>
-              <a:defRPr sz="1727" b="1"/>
+              <a:defRPr sz="1842" b="1"/>
             </a:lvl3pPr>
-            <a:lvl4pPr marL="1316187" indent="0">
+            <a:lvl4pPr marL="1403970" indent="0">
               <a:buNone/>
-              <a:defRPr sz="1535" b="1"/>
+              <a:defRPr sz="1638" b="1"/>
             </a:lvl4pPr>
-            <a:lvl5pPr marL="1754916" indent="0">
+            <a:lvl5pPr marL="1871960" indent="0">
               <a:buNone/>
-              <a:defRPr sz="1535" b="1"/>
+              <a:defRPr sz="1638" b="1"/>
             </a:lvl5pPr>
-            <a:lvl6pPr marL="2193646" indent="0">
+            <a:lvl6pPr marL="2339950" indent="0">
               <a:buNone/>
-              <a:defRPr sz="1535" b="1"/>
+              <a:defRPr sz="1638" b="1"/>
             </a:lvl6pPr>
-            <a:lvl7pPr marL="2632375" indent="0">
+            <a:lvl7pPr marL="2807940" indent="0">
               <a:buNone/>
-              <a:defRPr sz="1535" b="1"/>
+              <a:defRPr sz="1638" b="1"/>
             </a:lvl7pPr>
-            <a:lvl8pPr marL="3071104" indent="0">
+            <a:lvl8pPr marL="3275929" indent="0">
               <a:buNone/>
-              <a:defRPr sz="1535" b="1"/>
+              <a:defRPr sz="1638" b="1"/>
             </a:lvl8pPr>
-            <a:lvl9pPr marL="3509833" indent="0">
+            <a:lvl9pPr marL="3743919" indent="0">
               <a:buNone/>
-              <a:defRPr sz="1535" b="1"/>
+              <a:defRPr sz="1638" b="1"/>
             </a:lvl9pPr>
           </a:lstStyle>
           <a:p>
@@ -5670,8 +5806,8 @@
         </p:nvSpPr>
         <p:spPr>
           <a:xfrm>
-            <a:off x="5923062" y="2564223"/>
-            <a:ext cx="4973971" cy="3771585"/>
+            <a:off x="6317665" y="2564223"/>
+            <a:ext cx="5305344" cy="3771585"/>
           </a:xfrm>
         </p:spPr>
         <p:txBody>
@@ -5731,8 +5867,8 @@
           <a:lstStyle/>
           <a:p>
             <a:fld id="{C764DE79-268F-4C1A-8933-263129D2AF90}" type="datetimeFigureOut">
-              <a:rPr lang="en-US" dirty="0"/>
-              <a:t>9/9/2025</a:t>
+              <a:rPr lang="en-US" smtClean="0"/>
+              <a:t>9/24/2025</a:t>
             </a:fld>
             <a:endParaRPr lang="en-US" dirty="0"/>
           </a:p>
@@ -5773,7 +5909,7 @@
           <a:lstStyle/>
           <a:p>
             <a:fld id="{48F63A3B-78C7-47BE-AE5E-E10140E04643}" type="slidenum">
-              <a:rPr lang="en-US" dirty="0"/>
+              <a:rPr lang="en-US" smtClean="0"/>
               <a:t>‹#›</a:t>
             </a:fld>
             <a:endParaRPr lang="en-US" dirty="0"/>
@@ -5783,7 +5919,7 @@
     </p:spTree>
     <p:extLst>
       <p:ext uri="{BB962C8B-B14F-4D97-AF65-F5344CB8AC3E}">
-        <p14:creationId xmlns:p14="http://schemas.microsoft.com/office/powerpoint/2010/main" val="4203478321"/>
+        <p14:creationId xmlns:p14="http://schemas.microsoft.com/office/powerpoint/2010/main" val="1356386199"/>
       </p:ext>
     </p:extLst>
   </p:cSld>
@@ -5849,8 +5985,8 @@
           <a:lstStyle/>
           <a:p>
             <a:fld id="{C764DE79-268F-4C1A-8933-263129D2AF90}" type="datetimeFigureOut">
-              <a:rPr lang="en-US" dirty="0"/>
-              <a:t>9/9/2025</a:t>
+              <a:rPr lang="en-US" smtClean="0"/>
+              <a:t>9/24/2025</a:t>
             </a:fld>
             <a:endParaRPr lang="en-US" dirty="0"/>
           </a:p>
@@ -5891,7 +6027,7 @@
           <a:lstStyle/>
           <a:p>
             <a:fld id="{48F63A3B-78C7-47BE-AE5E-E10140E04643}" type="slidenum">
-              <a:rPr lang="en-US" dirty="0"/>
+              <a:rPr lang="en-US" smtClean="0"/>
               <a:t>‹#›</a:t>
             </a:fld>
             <a:endParaRPr lang="en-US" dirty="0"/>
@@ -5901,7 +6037,7 @@
     </p:spTree>
     <p:extLst>
       <p:ext uri="{BB962C8B-B14F-4D97-AF65-F5344CB8AC3E}">
-        <p14:creationId xmlns:p14="http://schemas.microsoft.com/office/powerpoint/2010/main" val="2416744764"/>
+        <p14:creationId xmlns:p14="http://schemas.microsoft.com/office/powerpoint/2010/main" val="2474824136"/>
       </p:ext>
     </p:extLst>
   </p:cSld>
@@ -5944,8 +6080,8 @@
           <a:lstStyle/>
           <a:p>
             <a:fld id="{C764DE79-268F-4C1A-8933-263129D2AF90}" type="datetimeFigureOut">
-              <a:rPr lang="en-US" dirty="0"/>
-              <a:t>9/9/2025</a:t>
+              <a:rPr lang="en-US" smtClean="0"/>
+              <a:t>9/24/2025</a:t>
             </a:fld>
             <a:endParaRPr lang="en-US" dirty="0"/>
           </a:p>
@@ -5986,7 +6122,7 @@
           <a:lstStyle/>
           <a:p>
             <a:fld id="{48F63A3B-78C7-47BE-AE5E-E10140E04643}" type="slidenum">
-              <a:rPr lang="en-US" dirty="0"/>
+              <a:rPr lang="en-US" smtClean="0"/>
               <a:t>‹#›</a:t>
             </a:fld>
             <a:endParaRPr lang="en-US" dirty="0"/>
@@ -5996,7 +6132,7 @@
     </p:spTree>
     <p:extLst>
       <p:ext uri="{BB962C8B-B14F-4D97-AF65-F5344CB8AC3E}">
-        <p14:creationId xmlns:p14="http://schemas.microsoft.com/office/powerpoint/2010/main" val="1343373622"/>
+        <p14:creationId xmlns:p14="http://schemas.microsoft.com/office/powerpoint/2010/main" val="412647921"/>
       </p:ext>
     </p:extLst>
   </p:cSld>
@@ -6035,15 +6171,15 @@
         </p:nvSpPr>
         <p:spPr>
           <a:xfrm>
-            <a:off x="805891" y="467995"/>
-            <a:ext cx="3773514" cy="1637983"/>
+            <a:off x="859580" y="467995"/>
+            <a:ext cx="4024911" cy="1637983"/>
           </a:xfrm>
         </p:spPr>
         <p:txBody>
           <a:bodyPr anchor="b"/>
           <a:lstStyle>
             <a:lvl1pPr>
-              <a:defRPr sz="3071"/>
+              <a:defRPr sz="3276"/>
             </a:lvl1pPr>
           </a:lstStyle>
           <a:p>
@@ -6067,39 +6203,39 @@
         </p:nvSpPr>
         <p:spPr>
           <a:xfrm>
-            <a:off x="4973971" y="1010740"/>
-            <a:ext cx="5923062" cy="4988697"/>
+            <a:off x="5305344" y="1010740"/>
+            <a:ext cx="6317665" cy="4988697"/>
           </a:xfrm>
         </p:spPr>
         <p:txBody>
           <a:bodyPr/>
           <a:lstStyle>
             <a:lvl1pPr>
-              <a:defRPr sz="3071"/>
+              <a:defRPr sz="3276"/>
             </a:lvl1pPr>
             <a:lvl2pPr>
-              <a:defRPr sz="2687"/>
+              <a:defRPr sz="2866"/>
             </a:lvl2pPr>
             <a:lvl3pPr>
-              <a:defRPr sz="2303"/>
+              <a:defRPr sz="2457"/>
             </a:lvl3pPr>
             <a:lvl4pPr>
-              <a:defRPr sz="1919"/>
+              <a:defRPr sz="2047"/>
             </a:lvl4pPr>
             <a:lvl5pPr>
-              <a:defRPr sz="1919"/>
+              <a:defRPr sz="2047"/>
             </a:lvl5pPr>
             <a:lvl6pPr>
-              <a:defRPr sz="1919"/>
+              <a:defRPr sz="2047"/>
             </a:lvl6pPr>
             <a:lvl7pPr>
-              <a:defRPr sz="1919"/>
+              <a:defRPr sz="2047"/>
             </a:lvl7pPr>
             <a:lvl8pPr>
-              <a:defRPr sz="1919"/>
+              <a:defRPr sz="2047"/>
             </a:lvl8pPr>
             <a:lvl9pPr>
-              <a:defRPr sz="1919"/>
+              <a:defRPr sz="2047"/>
             </a:lvl9pPr>
           </a:lstStyle>
           <a:p>
@@ -6152,8 +6288,8 @@
         </p:nvSpPr>
         <p:spPr>
           <a:xfrm>
-            <a:off x="805891" y="2105977"/>
-            <a:ext cx="3773514" cy="3901584"/>
+            <a:off x="859580" y="2105977"/>
+            <a:ext cx="4024911" cy="3901584"/>
           </a:xfrm>
         </p:spPr>
         <p:txBody>
@@ -6161,39 +6297,39 @@
           <a:lstStyle>
             <a:lvl1pPr marL="0" indent="0">
               <a:buNone/>
-              <a:defRPr sz="1535"/>
+              <a:defRPr sz="1638"/>
             </a:lvl1pPr>
-            <a:lvl2pPr marL="438729" indent="0">
+            <a:lvl2pPr marL="467990" indent="0">
               <a:buNone/>
-              <a:defRPr sz="1343"/>
+              <a:defRPr sz="1433"/>
             </a:lvl2pPr>
-            <a:lvl3pPr marL="877458" indent="0">
+            <a:lvl3pPr marL="935980" indent="0">
               <a:buNone/>
-              <a:defRPr sz="1152"/>
+              <a:defRPr sz="1228"/>
             </a:lvl3pPr>
-            <a:lvl4pPr marL="1316187" indent="0">
+            <a:lvl4pPr marL="1403970" indent="0">
               <a:buNone/>
-              <a:defRPr sz="960"/>
+              <a:defRPr sz="1024"/>
             </a:lvl4pPr>
-            <a:lvl5pPr marL="1754916" indent="0">
+            <a:lvl5pPr marL="1871960" indent="0">
               <a:buNone/>
-              <a:defRPr sz="960"/>
+              <a:defRPr sz="1024"/>
             </a:lvl5pPr>
-            <a:lvl6pPr marL="2193646" indent="0">
+            <a:lvl6pPr marL="2339950" indent="0">
               <a:buNone/>
-              <a:defRPr sz="960"/>
+              <a:defRPr sz="1024"/>
             </a:lvl6pPr>
-            <a:lvl7pPr marL="2632375" indent="0">
+            <a:lvl7pPr marL="2807940" indent="0">
               <a:buNone/>
-              <a:defRPr sz="960"/>
+              <a:defRPr sz="1024"/>
             </a:lvl7pPr>
-            <a:lvl8pPr marL="3071104" indent="0">
+            <a:lvl8pPr marL="3275929" indent="0">
               <a:buNone/>
-              <a:defRPr sz="960"/>
+              <a:defRPr sz="1024"/>
             </a:lvl8pPr>
-            <a:lvl9pPr marL="3509833" indent="0">
+            <a:lvl9pPr marL="3743919" indent="0">
               <a:buNone/>
-              <a:defRPr sz="960"/>
+              <a:defRPr sz="1024"/>
             </a:lvl9pPr>
           </a:lstStyle>
           <a:p>
@@ -6221,8 +6357,8 @@
           <a:lstStyle/>
           <a:p>
             <a:fld id="{C764DE79-268F-4C1A-8933-263129D2AF90}" type="datetimeFigureOut">
-              <a:rPr lang="en-US" dirty="0"/>
-              <a:t>9/9/2025</a:t>
+              <a:rPr lang="en-US" smtClean="0"/>
+              <a:t>9/24/2025</a:t>
             </a:fld>
             <a:endParaRPr lang="en-US" dirty="0"/>
           </a:p>
@@ -6263,7 +6399,7 @@
           <a:lstStyle/>
           <a:p>
             <a:fld id="{48F63A3B-78C7-47BE-AE5E-E10140E04643}" type="slidenum">
-              <a:rPr lang="en-US" dirty="0"/>
+              <a:rPr lang="en-US" smtClean="0"/>
               <a:t>‹#›</a:t>
             </a:fld>
             <a:endParaRPr lang="en-US" dirty="0"/>
@@ -6273,7 +6409,7 @@
     </p:spTree>
     <p:extLst>
       <p:ext uri="{BB962C8B-B14F-4D97-AF65-F5344CB8AC3E}">
-        <p14:creationId xmlns:p14="http://schemas.microsoft.com/office/powerpoint/2010/main" val="2264705563"/>
+        <p14:creationId xmlns:p14="http://schemas.microsoft.com/office/powerpoint/2010/main" val="1180622154"/>
       </p:ext>
     </p:extLst>
   </p:cSld>
@@ -6312,15 +6448,15 @@
         </p:nvSpPr>
         <p:spPr>
           <a:xfrm>
-            <a:off x="805891" y="467995"/>
-            <a:ext cx="3773514" cy="1637983"/>
+            <a:off x="859580" y="467995"/>
+            <a:ext cx="4024911" cy="1637983"/>
           </a:xfrm>
         </p:spPr>
         <p:txBody>
           <a:bodyPr anchor="b"/>
           <a:lstStyle>
             <a:lvl1pPr>
-              <a:defRPr sz="3071"/>
+              <a:defRPr sz="3276"/>
             </a:lvl1pPr>
           </a:lstStyle>
           <a:p>
@@ -6344,8 +6480,8 @@
         </p:nvSpPr>
         <p:spPr>
           <a:xfrm>
-            <a:off x="4973971" y="1010740"/>
-            <a:ext cx="5923062" cy="4988697"/>
+            <a:off x="5305344" y="1010740"/>
+            <a:ext cx="6317665" cy="4988697"/>
           </a:xfrm>
         </p:spPr>
         <p:txBody>
@@ -6353,39 +6489,39 @@
           <a:lstStyle>
             <a:lvl1pPr marL="0" indent="0">
               <a:buNone/>
-              <a:defRPr sz="3071"/>
+              <a:defRPr sz="3276"/>
             </a:lvl1pPr>
-            <a:lvl2pPr marL="438729" indent="0">
+            <a:lvl2pPr marL="467990" indent="0">
               <a:buNone/>
-              <a:defRPr sz="2687"/>
+              <a:defRPr sz="2866"/>
             </a:lvl2pPr>
-            <a:lvl3pPr marL="877458" indent="0">
+            <a:lvl3pPr marL="935980" indent="0">
               <a:buNone/>
-              <a:defRPr sz="2303"/>
+              <a:defRPr sz="2457"/>
             </a:lvl3pPr>
-            <a:lvl4pPr marL="1316187" indent="0">
+            <a:lvl4pPr marL="1403970" indent="0">
               <a:buNone/>
-              <a:defRPr sz="1919"/>
+              <a:defRPr sz="2047"/>
             </a:lvl4pPr>
-            <a:lvl5pPr marL="1754916" indent="0">
+            <a:lvl5pPr marL="1871960" indent="0">
               <a:buNone/>
-              <a:defRPr sz="1919"/>
+              <a:defRPr sz="2047"/>
             </a:lvl5pPr>
-            <a:lvl6pPr marL="2193646" indent="0">
+            <a:lvl6pPr marL="2339950" indent="0">
               <a:buNone/>
-              <a:defRPr sz="1919"/>
+              <a:defRPr sz="2047"/>
             </a:lvl6pPr>
-            <a:lvl7pPr marL="2632375" indent="0">
+            <a:lvl7pPr marL="2807940" indent="0">
               <a:buNone/>
-              <a:defRPr sz="1919"/>
+              <a:defRPr sz="2047"/>
             </a:lvl7pPr>
-            <a:lvl8pPr marL="3071104" indent="0">
+            <a:lvl8pPr marL="3275929" indent="0">
               <a:buNone/>
-              <a:defRPr sz="1919"/>
+              <a:defRPr sz="2047"/>
             </a:lvl8pPr>
-            <a:lvl9pPr marL="3509833" indent="0">
+            <a:lvl9pPr marL="3743919" indent="0">
               <a:buNone/>
-              <a:defRPr sz="1919"/>
+              <a:defRPr sz="2047"/>
             </a:lvl9pPr>
           </a:lstStyle>
           <a:p>
@@ -6409,8 +6545,8 @@
         </p:nvSpPr>
         <p:spPr>
           <a:xfrm>
-            <a:off x="805891" y="2105977"/>
-            <a:ext cx="3773514" cy="3901584"/>
+            <a:off x="859580" y="2105977"/>
+            <a:ext cx="4024911" cy="3901584"/>
           </a:xfrm>
         </p:spPr>
         <p:txBody>
@@ -6418,39 +6554,39 @@
           <a:lstStyle>
             <a:lvl1pPr marL="0" indent="0">
               <a:buNone/>
-              <a:defRPr sz="1535"/>
+              <a:defRPr sz="1638"/>
             </a:lvl1pPr>
-            <a:lvl2pPr marL="438729" indent="0">
+            <a:lvl2pPr marL="467990" indent="0">
               <a:buNone/>
-              <a:defRPr sz="1343"/>
+              <a:defRPr sz="1433"/>
             </a:lvl2pPr>
-            <a:lvl3pPr marL="877458" indent="0">
+            <a:lvl3pPr marL="935980" indent="0">
               <a:buNone/>
-              <a:defRPr sz="1152"/>
+              <a:defRPr sz="1228"/>
             </a:lvl3pPr>
-            <a:lvl4pPr marL="1316187" indent="0">
+            <a:lvl4pPr marL="1403970" indent="0">
               <a:buNone/>
-              <a:defRPr sz="960"/>
+              <a:defRPr sz="1024"/>
             </a:lvl4pPr>
-            <a:lvl5pPr marL="1754916" indent="0">
+            <a:lvl5pPr marL="1871960" indent="0">
               <a:buNone/>
-              <a:defRPr sz="960"/>
+              <a:defRPr sz="1024"/>
             </a:lvl5pPr>
-            <a:lvl6pPr marL="2193646" indent="0">
+            <a:lvl6pPr marL="2339950" indent="0">
               <a:buNone/>
-              <a:defRPr sz="960"/>
+              <a:defRPr sz="1024"/>
             </a:lvl6pPr>
-            <a:lvl7pPr marL="2632375" indent="0">
+            <a:lvl7pPr marL="2807940" indent="0">
               <a:buNone/>
-              <a:defRPr sz="960"/>
+              <a:defRPr sz="1024"/>
             </a:lvl7pPr>
-            <a:lvl8pPr marL="3071104" indent="0">
+            <a:lvl8pPr marL="3275929" indent="0">
               <a:buNone/>
-              <a:defRPr sz="960"/>
+              <a:defRPr sz="1024"/>
             </a:lvl8pPr>
-            <a:lvl9pPr marL="3509833" indent="0">
+            <a:lvl9pPr marL="3743919" indent="0">
               <a:buNone/>
-              <a:defRPr sz="960"/>
+              <a:defRPr sz="1024"/>
             </a:lvl9pPr>
           </a:lstStyle>
           <a:p>
@@ -6478,8 +6614,8 @@
           <a:lstStyle/>
           <a:p>
             <a:fld id="{C764DE79-268F-4C1A-8933-263129D2AF90}" type="datetimeFigureOut">
-              <a:rPr lang="en-US" dirty="0"/>
-              <a:t>9/9/2025</a:t>
+              <a:rPr lang="en-US" smtClean="0"/>
+              <a:t>9/24/2025</a:t>
             </a:fld>
             <a:endParaRPr lang="en-US" dirty="0"/>
           </a:p>
@@ -6520,7 +6656,7 @@
           <a:lstStyle/>
           <a:p>
             <a:fld id="{48F63A3B-78C7-47BE-AE5E-E10140E04643}" type="slidenum">
-              <a:rPr lang="en-US" dirty="0"/>
+              <a:rPr lang="en-US" smtClean="0"/>
               <a:t>‹#›</a:t>
             </a:fld>
             <a:endParaRPr lang="en-US" dirty="0"/>
@@ -6530,7 +6666,7 @@
     </p:spTree>
     <p:extLst>
       <p:ext uri="{BB962C8B-B14F-4D97-AF65-F5344CB8AC3E}">
-        <p14:creationId xmlns:p14="http://schemas.microsoft.com/office/powerpoint/2010/main" val="2904913426"/>
+        <p14:creationId xmlns:p14="http://schemas.microsoft.com/office/powerpoint/2010/main" val="3745373177"/>
       </p:ext>
     </p:extLst>
   </p:cSld>
@@ -6574,8 +6710,8 @@
         </p:nvSpPr>
         <p:spPr>
           <a:xfrm>
-            <a:off x="804367" y="373747"/>
-            <a:ext cx="10091142" cy="1356861"/>
+            <a:off x="857955" y="373747"/>
+            <a:ext cx="10763429" cy="1356861"/>
           </a:xfrm>
           <a:prstGeom prst="rect">
             <a:avLst/>
@@ -6607,8 +6743,8 @@
         </p:nvSpPr>
         <p:spPr>
           <a:xfrm>
-            <a:off x="804367" y="1868730"/>
-            <a:ext cx="10091142" cy="4454078"/>
+            <a:off x="857955" y="1868730"/>
+            <a:ext cx="10763429" cy="4454078"/>
           </a:xfrm>
           <a:prstGeom prst="rect">
             <a:avLst/>
@@ -6669,8 +6805,8 @@
         </p:nvSpPr>
         <p:spPr>
           <a:xfrm>
-            <a:off x="804366" y="6506431"/>
-            <a:ext cx="2632472" cy="373746"/>
+            <a:off x="857955" y="6506431"/>
+            <a:ext cx="2807851" cy="373746"/>
           </a:xfrm>
           <a:prstGeom prst="rect">
             <a:avLst/>
@@ -6680,7 +6816,7 @@
           <a:bodyPr vert="horz" lIns="91440" tIns="45720" rIns="91440" bIns="45720" rtlCol="0" anchor="ctr"/>
           <a:lstStyle>
             <a:lvl1pPr algn="l">
-              <a:defRPr sz="1152">
+              <a:defRPr sz="1228">
                 <a:solidFill>
                   <a:schemeClr val="tx1">
                     <a:tint val="82000"/>
@@ -6691,8 +6827,8 @@
           </a:lstStyle>
           <a:p>
             <a:fld id="{C764DE79-268F-4C1A-8933-263129D2AF90}" type="datetimeFigureOut">
-              <a:rPr lang="en-US" dirty="0"/>
-              <a:t>9/9/2025</a:t>
+              <a:rPr lang="en-US" smtClean="0"/>
+              <a:t>9/24/2025</a:t>
             </a:fld>
             <a:endParaRPr lang="en-US" dirty="0"/>
           </a:p>
@@ -6710,8 +6846,8 @@
         </p:nvSpPr>
         <p:spPr>
           <a:xfrm>
-            <a:off x="3875584" y="6506431"/>
-            <a:ext cx="3948708" cy="373746"/>
+            <a:off x="4133781" y="6506431"/>
+            <a:ext cx="4211777" cy="373746"/>
           </a:xfrm>
           <a:prstGeom prst="rect">
             <a:avLst/>
@@ -6721,7 +6857,7 @@
           <a:bodyPr vert="horz" lIns="91440" tIns="45720" rIns="91440" bIns="45720" rtlCol="0" anchor="ctr"/>
           <a:lstStyle>
             <a:lvl1pPr algn="ctr">
-              <a:defRPr sz="1152">
+              <a:defRPr sz="1228">
                 <a:solidFill>
                   <a:schemeClr val="tx1">
                     <a:tint val="82000"/>
@@ -6747,8 +6883,8 @@
         </p:nvSpPr>
         <p:spPr>
           <a:xfrm>
-            <a:off x="8263037" y="6506431"/>
-            <a:ext cx="2632472" cy="373746"/>
+            <a:off x="8813532" y="6506431"/>
+            <a:ext cx="2807851" cy="373746"/>
           </a:xfrm>
           <a:prstGeom prst="rect">
             <a:avLst/>
@@ -6758,7 +6894,7 @@
           <a:bodyPr vert="horz" lIns="91440" tIns="45720" rIns="91440" bIns="45720" rtlCol="0" anchor="ctr"/>
           <a:lstStyle>
             <a:lvl1pPr algn="r">
-              <a:defRPr sz="1152">
+              <a:defRPr sz="1228">
                 <a:solidFill>
                   <a:schemeClr val="tx1">
                     <a:tint val="82000"/>
@@ -6769,7 +6905,7 @@
           </a:lstStyle>
           <a:p>
             <a:fld id="{48F63A3B-78C7-47BE-AE5E-E10140E04643}" type="slidenum">
-              <a:rPr lang="en-US" dirty="0"/>
+              <a:rPr lang="en-US" smtClean="0"/>
               <a:t>‹#›</a:t>
             </a:fld>
             <a:endParaRPr lang="en-US" dirty="0"/>
@@ -6779,33 +6915,33 @@
     </p:spTree>
     <p:extLst>
       <p:ext uri="{BB962C8B-B14F-4D97-AF65-F5344CB8AC3E}">
-        <p14:creationId xmlns:p14="http://schemas.microsoft.com/office/powerpoint/2010/main" val="390510317"/>
+        <p14:creationId xmlns:p14="http://schemas.microsoft.com/office/powerpoint/2010/main" val="2439022602"/>
       </p:ext>
     </p:extLst>
   </p:cSld>
   <p:clrMap bg1="lt1" tx1="dk1" bg2="lt2" tx2="dk2" accent1="accent1" accent2="accent2" accent3="accent3" accent4="accent4" accent5="accent5" accent6="accent6" hlink="hlink" folHlink="folHlink"/>
   <p:sldLayoutIdLst>
-    <p:sldLayoutId id="2147483662" r:id="rId1"/>
-    <p:sldLayoutId id="2147483663" r:id="rId2"/>
-    <p:sldLayoutId id="2147483664" r:id="rId3"/>
-    <p:sldLayoutId id="2147483665" r:id="rId4"/>
-    <p:sldLayoutId id="2147483666" r:id="rId5"/>
-    <p:sldLayoutId id="2147483667" r:id="rId6"/>
-    <p:sldLayoutId id="2147483668" r:id="rId7"/>
-    <p:sldLayoutId id="2147483669" r:id="rId8"/>
-    <p:sldLayoutId id="2147483670" r:id="rId9"/>
-    <p:sldLayoutId id="2147483671" r:id="rId10"/>
-    <p:sldLayoutId id="2147483672" r:id="rId11"/>
-    <p:sldLayoutId id="2147483673" r:id="rId12"/>
-    <p:sldLayoutId id="2147483674" r:id="rId13"/>
-    <p:sldLayoutId id="2147483675" r:id="rId14"/>
-    <p:sldLayoutId id="2147483676" r:id="rId15"/>
-    <p:sldLayoutId id="2147483677" r:id="rId16"/>
+    <p:sldLayoutId id="2147483679" r:id="rId1"/>
+    <p:sldLayoutId id="2147483680" r:id="rId2"/>
+    <p:sldLayoutId id="2147483681" r:id="rId3"/>
+    <p:sldLayoutId id="2147483682" r:id="rId4"/>
+    <p:sldLayoutId id="2147483683" r:id="rId5"/>
+    <p:sldLayoutId id="2147483684" r:id="rId6"/>
+    <p:sldLayoutId id="2147483685" r:id="rId7"/>
+    <p:sldLayoutId id="2147483686" r:id="rId8"/>
+    <p:sldLayoutId id="2147483687" r:id="rId9"/>
+    <p:sldLayoutId id="2147483688" r:id="rId10"/>
+    <p:sldLayoutId id="2147483689" r:id="rId11"/>
+    <p:sldLayoutId id="2147483690" r:id="rId12"/>
+    <p:sldLayoutId id="2147483691" r:id="rId13"/>
+    <p:sldLayoutId id="2147483692" r:id="rId14"/>
+    <p:sldLayoutId id="2147483693" r:id="rId15"/>
+    <p:sldLayoutId id="2147483694" r:id="rId16"/>
     <p:sldLayoutId id="2147483650" r:id="rId17"/>
   </p:sldLayoutIdLst>
   <p:txStyles>
     <p:titleStyle>
-      <a:lvl1pPr algn="l" defTabSz="877458" rtl="0" eaLnBrk="1" latinLnBrk="0" hangingPunct="1">
+      <a:lvl1pPr algn="l" defTabSz="935980" rtl="0" eaLnBrk="1" latinLnBrk="0" hangingPunct="1">
         <a:lnSpc>
           <a:spcPct val="90000"/>
         </a:lnSpc>
@@ -6813,7 +6949,7 @@
           <a:spcPct val="0"/>
         </a:spcBef>
         <a:buNone/>
-        <a:defRPr sz="4222" kern="1200">
+        <a:defRPr sz="4504" kern="1200">
           <a:solidFill>
             <a:schemeClr val="tx1"/>
           </a:solidFill>
@@ -6824,16 +6960,16 @@
       </a:lvl1pPr>
     </p:titleStyle>
     <p:bodyStyle>
-      <a:lvl1pPr marL="219365" indent="-219365" algn="l" defTabSz="877458" rtl="0" eaLnBrk="1" latinLnBrk="0" hangingPunct="1">
+      <a:lvl1pPr marL="233995" indent="-233995" algn="l" defTabSz="935980" rtl="0" eaLnBrk="1" latinLnBrk="0" hangingPunct="1">
         <a:lnSpc>
           <a:spcPct val="90000"/>
         </a:lnSpc>
         <a:spcBef>
-          <a:spcPts val="960"/>
+          <a:spcPts val="1024"/>
         </a:spcBef>
         <a:buFont typeface="Arial" panose="020B0604020202020204" pitchFamily="34" charset="0"/>
         <a:buChar char="•"/>
-        <a:defRPr sz="2687" kern="1200">
+        <a:defRPr sz="2866" kern="1200">
           <a:solidFill>
             <a:schemeClr val="tx1"/>
           </a:solidFill>
@@ -6842,16 +6978,16 @@
           <a:cs typeface="+mn-cs"/>
         </a:defRPr>
       </a:lvl1pPr>
-      <a:lvl2pPr marL="658094" indent="-219365" algn="l" defTabSz="877458" rtl="0" eaLnBrk="1" latinLnBrk="0" hangingPunct="1">
+      <a:lvl2pPr marL="701985" indent="-233995" algn="l" defTabSz="935980" rtl="0" eaLnBrk="1" latinLnBrk="0" hangingPunct="1">
         <a:lnSpc>
           <a:spcPct val="90000"/>
         </a:lnSpc>
         <a:spcBef>
-          <a:spcPts val="480"/>
+          <a:spcPts val="512"/>
         </a:spcBef>
         <a:buFont typeface="Arial" panose="020B0604020202020204" pitchFamily="34" charset="0"/>
         <a:buChar char="•"/>
-        <a:defRPr sz="2303" kern="1200">
+        <a:defRPr sz="2457" kern="1200">
           <a:solidFill>
             <a:schemeClr val="tx1"/>
           </a:solidFill>
@@ -6860,16 +6996,16 @@
           <a:cs typeface="+mn-cs"/>
         </a:defRPr>
       </a:lvl2pPr>
-      <a:lvl3pPr marL="1096823" indent="-219365" algn="l" defTabSz="877458" rtl="0" eaLnBrk="1" latinLnBrk="0" hangingPunct="1">
+      <a:lvl3pPr marL="1169975" indent="-233995" algn="l" defTabSz="935980" rtl="0" eaLnBrk="1" latinLnBrk="0" hangingPunct="1">
         <a:lnSpc>
           <a:spcPct val="90000"/>
         </a:lnSpc>
         <a:spcBef>
-          <a:spcPts val="480"/>
+          <a:spcPts val="512"/>
         </a:spcBef>
         <a:buFont typeface="Arial" panose="020B0604020202020204" pitchFamily="34" charset="0"/>
         <a:buChar char="•"/>
-        <a:defRPr sz="1919" kern="1200">
+        <a:defRPr sz="2047" kern="1200">
           <a:solidFill>
             <a:schemeClr val="tx1"/>
           </a:solidFill>
@@ -6878,16 +7014,16 @@
           <a:cs typeface="+mn-cs"/>
         </a:defRPr>
       </a:lvl3pPr>
-      <a:lvl4pPr marL="1535552" indent="-219365" algn="l" defTabSz="877458" rtl="0" eaLnBrk="1" latinLnBrk="0" hangingPunct="1">
+      <a:lvl4pPr marL="1637965" indent="-233995" algn="l" defTabSz="935980" rtl="0" eaLnBrk="1" latinLnBrk="0" hangingPunct="1">
         <a:lnSpc>
           <a:spcPct val="90000"/>
         </a:lnSpc>
         <a:spcBef>
-          <a:spcPts val="480"/>
+          <a:spcPts val="512"/>
         </a:spcBef>
         <a:buFont typeface="Arial" panose="020B0604020202020204" pitchFamily="34" charset="0"/>
         <a:buChar char="•"/>
-        <a:defRPr sz="1727" kern="1200">
+        <a:defRPr sz="1842" kern="1200">
           <a:solidFill>
             <a:schemeClr val="tx1"/>
           </a:solidFill>
@@ -6896,16 +7032,16 @@
           <a:cs typeface="+mn-cs"/>
         </a:defRPr>
       </a:lvl4pPr>
-      <a:lvl5pPr marL="1974281" indent="-219365" algn="l" defTabSz="877458" rtl="0" eaLnBrk="1" latinLnBrk="0" hangingPunct="1">
+      <a:lvl5pPr marL="2105955" indent="-233995" algn="l" defTabSz="935980" rtl="0" eaLnBrk="1" latinLnBrk="0" hangingPunct="1">
         <a:lnSpc>
           <a:spcPct val="90000"/>
         </a:lnSpc>
         <a:spcBef>
-          <a:spcPts val="480"/>
+          <a:spcPts val="512"/>
         </a:spcBef>
         <a:buFont typeface="Arial" panose="020B0604020202020204" pitchFamily="34" charset="0"/>
         <a:buChar char="•"/>
-        <a:defRPr sz="1727" kern="1200">
+        <a:defRPr sz="1842" kern="1200">
           <a:solidFill>
             <a:schemeClr val="tx1"/>
           </a:solidFill>
@@ -6914,16 +7050,16 @@
           <a:cs typeface="+mn-cs"/>
         </a:defRPr>
       </a:lvl5pPr>
-      <a:lvl6pPr marL="2413010" indent="-219365" algn="l" defTabSz="877458" rtl="0" eaLnBrk="1" latinLnBrk="0" hangingPunct="1">
+      <a:lvl6pPr marL="2573945" indent="-233995" algn="l" defTabSz="935980" rtl="0" eaLnBrk="1" latinLnBrk="0" hangingPunct="1">
         <a:lnSpc>
           <a:spcPct val="90000"/>
         </a:lnSpc>
         <a:spcBef>
-          <a:spcPts val="480"/>
+          <a:spcPts val="512"/>
         </a:spcBef>
         <a:buFont typeface="Arial" panose="020B0604020202020204" pitchFamily="34" charset="0"/>
         <a:buChar char="•"/>
-        <a:defRPr sz="1727" kern="1200">
+        <a:defRPr sz="1842" kern="1200">
           <a:solidFill>
             <a:schemeClr val="tx1"/>
           </a:solidFill>
@@ -6932,16 +7068,16 @@
           <a:cs typeface="+mn-cs"/>
         </a:defRPr>
       </a:lvl6pPr>
-      <a:lvl7pPr marL="2851739" indent="-219365" algn="l" defTabSz="877458" rtl="0" eaLnBrk="1" latinLnBrk="0" hangingPunct="1">
+      <a:lvl7pPr marL="3041934" indent="-233995" algn="l" defTabSz="935980" rtl="0" eaLnBrk="1" latinLnBrk="0" hangingPunct="1">
         <a:lnSpc>
           <a:spcPct val="90000"/>
         </a:lnSpc>
         <a:spcBef>
-          <a:spcPts val="480"/>
+          <a:spcPts val="512"/>
         </a:spcBef>
         <a:buFont typeface="Arial" panose="020B0604020202020204" pitchFamily="34" charset="0"/>
         <a:buChar char="•"/>
-        <a:defRPr sz="1727" kern="1200">
+        <a:defRPr sz="1842" kern="1200">
           <a:solidFill>
             <a:schemeClr val="tx1"/>
           </a:solidFill>
@@ -6950,16 +7086,16 @@
           <a:cs typeface="+mn-cs"/>
         </a:defRPr>
       </a:lvl7pPr>
-      <a:lvl8pPr marL="3290468" indent="-219365" algn="l" defTabSz="877458" rtl="0" eaLnBrk="1" latinLnBrk="0" hangingPunct="1">
+      <a:lvl8pPr marL="3509924" indent="-233995" algn="l" defTabSz="935980" rtl="0" eaLnBrk="1" latinLnBrk="0" hangingPunct="1">
         <a:lnSpc>
           <a:spcPct val="90000"/>
         </a:lnSpc>
         <a:spcBef>
-          <a:spcPts val="480"/>
+          <a:spcPts val="512"/>
         </a:spcBef>
         <a:buFont typeface="Arial" panose="020B0604020202020204" pitchFamily="34" charset="0"/>
         <a:buChar char="•"/>
-        <a:defRPr sz="1727" kern="1200">
+        <a:defRPr sz="1842" kern="1200">
           <a:solidFill>
             <a:schemeClr val="tx1"/>
           </a:solidFill>
@@ -6968,16 +7104,16 @@
           <a:cs typeface="+mn-cs"/>
         </a:defRPr>
       </a:lvl8pPr>
-      <a:lvl9pPr marL="3729198" indent="-219365" algn="l" defTabSz="877458" rtl="0" eaLnBrk="1" latinLnBrk="0" hangingPunct="1">
+      <a:lvl9pPr marL="3977914" indent="-233995" algn="l" defTabSz="935980" rtl="0" eaLnBrk="1" latinLnBrk="0" hangingPunct="1">
         <a:lnSpc>
           <a:spcPct val="90000"/>
         </a:lnSpc>
         <a:spcBef>
-          <a:spcPts val="480"/>
+          <a:spcPts val="512"/>
         </a:spcBef>
         <a:buFont typeface="Arial" panose="020B0604020202020204" pitchFamily="34" charset="0"/>
         <a:buChar char="•"/>
-        <a:defRPr sz="1727" kern="1200">
+        <a:defRPr sz="1842" kern="1200">
           <a:solidFill>
             <a:schemeClr val="tx1"/>
           </a:solidFill>
@@ -6991,8 +7127,8 @@
       <a:defPPr>
         <a:defRPr lang="en-US"/>
       </a:defPPr>
-      <a:lvl1pPr marL="0" algn="l" defTabSz="877458" rtl="0" eaLnBrk="1" latinLnBrk="0" hangingPunct="1">
-        <a:defRPr sz="1727" kern="1200">
+      <a:lvl1pPr marL="0" algn="l" defTabSz="935980" rtl="0" eaLnBrk="1" latinLnBrk="0" hangingPunct="1">
+        <a:defRPr sz="1842" kern="1200">
           <a:solidFill>
             <a:schemeClr val="tx1"/>
           </a:solidFill>
@@ -7001,8 +7137,8 @@
           <a:cs typeface="+mn-cs"/>
         </a:defRPr>
       </a:lvl1pPr>
-      <a:lvl2pPr marL="438729" algn="l" defTabSz="877458" rtl="0" eaLnBrk="1" latinLnBrk="0" hangingPunct="1">
-        <a:defRPr sz="1727" kern="1200">
+      <a:lvl2pPr marL="467990" algn="l" defTabSz="935980" rtl="0" eaLnBrk="1" latinLnBrk="0" hangingPunct="1">
+        <a:defRPr sz="1842" kern="1200">
           <a:solidFill>
             <a:schemeClr val="tx1"/>
           </a:solidFill>
@@ -7011,8 +7147,8 @@
           <a:cs typeface="+mn-cs"/>
         </a:defRPr>
       </a:lvl2pPr>
-      <a:lvl3pPr marL="877458" algn="l" defTabSz="877458" rtl="0" eaLnBrk="1" latinLnBrk="0" hangingPunct="1">
-        <a:defRPr sz="1727" kern="1200">
+      <a:lvl3pPr marL="935980" algn="l" defTabSz="935980" rtl="0" eaLnBrk="1" latinLnBrk="0" hangingPunct="1">
+        <a:defRPr sz="1842" kern="1200">
           <a:solidFill>
             <a:schemeClr val="tx1"/>
           </a:solidFill>
@@ -7021,8 +7157,8 @@
           <a:cs typeface="+mn-cs"/>
         </a:defRPr>
       </a:lvl3pPr>
-      <a:lvl4pPr marL="1316187" algn="l" defTabSz="877458" rtl="0" eaLnBrk="1" latinLnBrk="0" hangingPunct="1">
-        <a:defRPr sz="1727" kern="1200">
+      <a:lvl4pPr marL="1403970" algn="l" defTabSz="935980" rtl="0" eaLnBrk="1" latinLnBrk="0" hangingPunct="1">
+        <a:defRPr sz="1842" kern="1200">
           <a:solidFill>
             <a:schemeClr val="tx1"/>
           </a:solidFill>
@@ -7031,8 +7167,8 @@
           <a:cs typeface="+mn-cs"/>
         </a:defRPr>
       </a:lvl4pPr>
-      <a:lvl5pPr marL="1754916" algn="l" defTabSz="877458" rtl="0" eaLnBrk="1" latinLnBrk="0" hangingPunct="1">
-        <a:defRPr sz="1727" kern="1200">
+      <a:lvl5pPr marL="1871960" algn="l" defTabSz="935980" rtl="0" eaLnBrk="1" latinLnBrk="0" hangingPunct="1">
+        <a:defRPr sz="1842" kern="1200">
           <a:solidFill>
             <a:schemeClr val="tx1"/>
           </a:solidFill>
@@ -7041,8 +7177,8 @@
           <a:cs typeface="+mn-cs"/>
         </a:defRPr>
       </a:lvl5pPr>
-      <a:lvl6pPr marL="2193646" algn="l" defTabSz="877458" rtl="0" eaLnBrk="1" latinLnBrk="0" hangingPunct="1">
-        <a:defRPr sz="1727" kern="1200">
+      <a:lvl6pPr marL="2339950" algn="l" defTabSz="935980" rtl="0" eaLnBrk="1" latinLnBrk="0" hangingPunct="1">
+        <a:defRPr sz="1842" kern="1200">
           <a:solidFill>
             <a:schemeClr val="tx1"/>
           </a:solidFill>
@@ -7051,8 +7187,8 @@
           <a:cs typeface="+mn-cs"/>
         </a:defRPr>
       </a:lvl6pPr>
-      <a:lvl7pPr marL="2632375" algn="l" defTabSz="877458" rtl="0" eaLnBrk="1" latinLnBrk="0" hangingPunct="1">
-        <a:defRPr sz="1727" kern="1200">
+      <a:lvl7pPr marL="2807940" algn="l" defTabSz="935980" rtl="0" eaLnBrk="1" latinLnBrk="0" hangingPunct="1">
+        <a:defRPr sz="1842" kern="1200">
           <a:solidFill>
             <a:schemeClr val="tx1"/>
           </a:solidFill>
@@ -7061,8 +7197,8 @@
           <a:cs typeface="+mn-cs"/>
         </a:defRPr>
       </a:lvl7pPr>
-      <a:lvl8pPr marL="3071104" algn="l" defTabSz="877458" rtl="0" eaLnBrk="1" latinLnBrk="0" hangingPunct="1">
-        <a:defRPr sz="1727" kern="1200">
+      <a:lvl8pPr marL="3275929" algn="l" defTabSz="935980" rtl="0" eaLnBrk="1" latinLnBrk="0" hangingPunct="1">
+        <a:defRPr sz="1842" kern="1200">
           <a:solidFill>
             <a:schemeClr val="tx1"/>
           </a:solidFill>
@@ -7071,8 +7207,8 @@
           <a:cs typeface="+mn-cs"/>
         </a:defRPr>
       </a:lvl8pPr>
-      <a:lvl9pPr marL="3509833" algn="l" defTabSz="877458" rtl="0" eaLnBrk="1" latinLnBrk="0" hangingPunct="1">
-        <a:defRPr sz="1727" kern="1200">
+      <a:lvl9pPr marL="3743919" algn="l" defTabSz="935980" rtl="0" eaLnBrk="1" latinLnBrk="0" hangingPunct="1">
+        <a:defRPr sz="1842" kern="1200">
           <a:solidFill>
             <a:schemeClr val="tx1"/>
           </a:solidFill>
@@ -7145,22 +7281,34 @@
       </p:sp>
       <p:pic>
         <p:nvPicPr>
-          <p:cNvPr id="4" name="Banner for Cosa succede in prod? Copilot Studio + Azure Monitor MCP Server per insights in linguaggio naturale by Giulio Sciarappa" descr="984167.jpeg"/>
+          <p:cNvPr id="6" name="Picture 5" descr="A green rectangular sign with white text">
+            <a:extLst>
+              <a:ext uri="{FF2B5EF4-FFF2-40B4-BE49-F238E27FC236}">
+                <a16:creationId xmlns:a16="http://schemas.microsoft.com/office/drawing/2014/main" id="{3DE8B2A6-5A81-D4D5-6578-23C445DDB90B}"/>
+              </a:ext>
+            </a:extLst>
+          </p:cNvPr>
           <p:cNvPicPr>
             <a:picLocks noChangeAspect="1"/>
           </p:cNvPicPr>
           <p:nvPr/>
         </p:nvPicPr>
         <p:blipFill>
-          <a:blip r:embed="rId3"/>
+          <a:blip r:embed="rId3">
+            <a:extLst>
+              <a:ext uri="{28A0092B-C50C-407E-A947-70E740481C1C}">
+                <a14:useLocalDpi xmlns:a14="http://schemas.microsoft.com/office/drawing/2010/main" val="0"/>
+              </a:ext>
+            </a:extLst>
+          </a:blip>
           <a:stretch>
             <a:fillRect/>
           </a:stretch>
         </p:blipFill>
         <p:spPr>
           <a:xfrm>
-            <a:off x="-1" y="-1"/>
-            <a:ext cx="11699875" cy="7036943"/>
+            <a:off x="0" y="148"/>
+            <a:ext cx="12479338" cy="7019628"/>
           </a:xfrm>
           <a:prstGeom prst="rect">
             <a:avLst/>
@@ -7639,7 +7787,7 @@
         </p:nvPicPr>
         <p:blipFill>
           <a:blip r:embed="rId3"/>
-          <a:srcRect t="413" b="413"/>
+          <a:srcRect t="3516" b="3516"/>
           <a:stretch>
             <a:fillRect/>
           </a:stretch>
@@ -8666,17 +8814,6 @@
 </file>
 
 <file path=customXml/item2.xml><?xml version="1.0" encoding="utf-8"?>
-<p:properties xmlns:p="http://schemas.microsoft.com/office/2006/metadata/properties" xmlns:xsi="http://www.w3.org/2001/XMLSchema-instance" xmlns:pc="http://schemas.microsoft.com/office/infopath/2007/PartnerControls">
-  <documentManagement>
-    <TaxCatchAll xmlns="cef5da91-0831-42fa-860c-d84acea2b669" xsi:nil="true"/>
-    <lcf76f155ced4ddcb4097134ff3c332f xmlns="d8121912-130d-4688-8a96-8cf2c237709c">
-      <Terms xmlns="http://schemas.microsoft.com/office/infopath/2007/PartnerControls"/>
-    </lcf76f155ced4ddcb4097134ff3c332f>
-  </documentManagement>
-</p:properties>
-</file>
-
-<file path=customXml/item3.xml><?xml version="1.0" encoding="utf-8"?>
 <ct:contentTypeSchema xmlns:ct="http://schemas.microsoft.com/office/2006/metadata/contentType" xmlns:ma="http://schemas.microsoft.com/office/2006/metadata/properties/metaAttributes" ct:_="" ma:_="" ma:contentTypeName="Document" ma:contentTypeID="0x010100FD6131E5EFD16140B6B7F4892B3B1EDF" ma:contentTypeVersion="13" ma:contentTypeDescription="Create a new document." ma:contentTypeScope="" ma:versionID="145255e663cdc3e6e9cba0ee678cd235">
   <xsd:schema xmlns:xsd="http://www.w3.org/2001/XMLSchema" xmlns:xs="http://www.w3.org/2001/XMLSchema" xmlns:p="http://schemas.microsoft.com/office/2006/metadata/properties" xmlns:ns2="d8121912-130d-4688-8a96-8cf2c237709c" xmlns:ns3="cef5da91-0831-42fa-860c-d84acea2b669" targetNamespace="http://schemas.microsoft.com/office/2006/metadata/properties" ma:root="true" ma:fieldsID="871e515fac4f99d2d7b2b65d09122d2d" ns2:_="" ns3:_="">
     <xsd:import namespace="d8121912-130d-4688-8a96-8cf2c237709c"/>
@@ -8883,6 +9020,17 @@
 </ct:contentTypeSchema>
 </file>
 
+<file path=customXml/item3.xml><?xml version="1.0" encoding="utf-8"?>
+<p:properties xmlns:p="http://schemas.microsoft.com/office/2006/metadata/properties" xmlns:xsi="http://www.w3.org/2001/XMLSchema-instance" xmlns:pc="http://schemas.microsoft.com/office/infopath/2007/PartnerControls">
+  <documentManagement>
+    <TaxCatchAll xmlns="cef5da91-0831-42fa-860c-d84acea2b669" xsi:nil="true"/>
+    <lcf76f155ced4ddcb4097134ff3c332f xmlns="d8121912-130d-4688-8a96-8cf2c237709c">
+      <Terms xmlns="http://schemas.microsoft.com/office/infopath/2007/PartnerControls"/>
+    </lcf76f155ced4ddcb4097134ff3c332f>
+  </documentManagement>
+</p:properties>
+</file>
+
 <file path=customXml/itemProps1.xml><?xml version="1.0" encoding="utf-8"?>
 <ds:datastoreItem xmlns:ds="http://schemas.openxmlformats.org/officeDocument/2006/customXml" ds:itemID="{651D6C72-E463-4065-93A5-344FB67CAA7D}">
   <ds:schemaRefs>
@@ -8892,17 +9040,6 @@
 </file>
 
 <file path=customXml/itemProps2.xml><?xml version="1.0" encoding="utf-8"?>
-<ds:datastoreItem xmlns:ds="http://schemas.openxmlformats.org/officeDocument/2006/customXml" ds:itemID="{B39940B0-918A-4AD1-BB97-753008E9C56C}">
-  <ds:schemaRefs>
-    <ds:schemaRef ds:uri="http://schemas.microsoft.com/office/2006/metadata/properties"/>
-    <ds:schemaRef ds:uri="http://schemas.microsoft.com/office/infopath/2007/PartnerControls"/>
-    <ds:schemaRef ds:uri="cef5da91-0831-42fa-860c-d84acea2b669"/>
-    <ds:schemaRef ds:uri="d8121912-130d-4688-8a96-8cf2c237709c"/>
-  </ds:schemaRefs>
-</ds:datastoreItem>
-</file>
-
-<file path=customXml/itemProps3.xml><?xml version="1.0" encoding="utf-8"?>
 <ds:datastoreItem xmlns:ds="http://schemas.openxmlformats.org/officeDocument/2006/customXml" ds:itemID="{61168487-EEF9-4393-95DC-9BE5A3DC26F0}">
   <ds:schemaRefs>
     <ds:schemaRef ds:uri="http://schemas.microsoft.com/office/2006/metadata/contentType"/>
@@ -8921,6 +9058,17 @@
 </ds:datastoreItem>
 </file>
 
+<file path=customXml/itemProps3.xml><?xml version="1.0" encoding="utf-8"?>
+<ds:datastoreItem xmlns:ds="http://schemas.openxmlformats.org/officeDocument/2006/customXml" ds:itemID="{B39940B0-918A-4AD1-BB97-753008E9C56C}">
+  <ds:schemaRefs>
+    <ds:schemaRef ds:uri="http://schemas.microsoft.com/office/2006/metadata/properties"/>
+    <ds:schemaRef ds:uri="http://schemas.microsoft.com/office/infopath/2007/PartnerControls"/>
+    <ds:schemaRef ds:uri="cef5da91-0831-42fa-860c-d84acea2b669"/>
+    <ds:schemaRef ds:uri="d8121912-130d-4688-8a96-8cf2c237709c"/>
+  </ds:schemaRefs>
+</ds:datastoreItem>
+</file>
+
 <file path=docMetadata/LabelInfo.xml><?xml version="1.0" encoding="utf-8"?>
 <clbl:labelList xmlns:clbl="http://schemas.microsoft.com/office/2020/mipLabelMetadata">
   <clbl:label id="{5fae8262-b78e-4366-8929-a5d6aac95320}" enabled="1" method="Standard" siteId="{cf36141c-ddd7-45a7-b073-111f66d0b30c}" contentBits="0" removed="0"/>
